--- a/presentations/DS ppt.pptx
+++ b/presentations/DS ppt.pptx
@@ -4,11 +4,26 @@
   <p:sldMasterIdLst>
     <p:sldMasterId id="2147483648" r:id="rId1"/>
   </p:sldMasterIdLst>
+  <p:notesMasterIdLst>
+    <p:notesMasterId r:id="rId18"/>
+  </p:notesMasterIdLst>
   <p:sldIdLst>
     <p:sldId id="256" r:id="rId2"/>
-    <p:sldId id="257" r:id="rId3"/>
-    <p:sldId id="258" r:id="rId4"/>
-    <p:sldId id="259" r:id="rId5"/>
+    <p:sldId id="269" r:id="rId3"/>
+    <p:sldId id="270" r:id="rId4"/>
+    <p:sldId id="271" r:id="rId5"/>
+    <p:sldId id="272" r:id="rId6"/>
+    <p:sldId id="273" r:id="rId7"/>
+    <p:sldId id="263" r:id="rId8"/>
+    <p:sldId id="264" r:id="rId9"/>
+    <p:sldId id="265" r:id="rId10"/>
+    <p:sldId id="266" r:id="rId11"/>
+    <p:sldId id="267" r:id="rId12"/>
+    <p:sldId id="268" r:id="rId13"/>
+    <p:sldId id="262" r:id="rId14"/>
+    <p:sldId id="260" r:id="rId15"/>
+    <p:sldId id="261" r:id="rId16"/>
+    <p:sldId id="274" r:id="rId17"/>
   </p:sldIdLst>
   <p:sldSz cx="12192000" cy="6858000"/>
   <p:notesSz cx="6858000" cy="9144000"/>
@@ -107,7 +122,362 @@
       </a:defRPr>
     </a:lvl9pPr>
   </p:defaultTextStyle>
+  <p:extLst>
+    <p:ext uri="{EFAFB233-063F-42B5-8137-9DF3F51BA10A}">
+      <p15:sldGuideLst xmlns:p15="http://schemas.microsoft.com/office/powerpoint/2012/main"/>
+    </p:ext>
+  </p:extLst>
 </p:presentation>
+</file>
+
+<file path=ppt/notesMasters/notesMaster1.xml><?xml version="1.0" encoding="utf-8"?>
+<p:notesMaster xmlns:a="http://schemas.openxmlformats.org/drawingml/2006/main" xmlns:r="http://schemas.openxmlformats.org/officeDocument/2006/relationships" xmlns:p="http://schemas.openxmlformats.org/presentationml/2006/main">
+  <p:cSld>
+    <p:bg>
+      <p:bgRef idx="1001">
+        <a:schemeClr val="bg1"/>
+      </p:bgRef>
+    </p:bg>
+    <p:spTree>
+      <p:nvGrpSpPr>
+        <p:cNvPr id="1" name=""/>
+        <p:cNvGrpSpPr/>
+        <p:nvPr/>
+      </p:nvGrpSpPr>
+      <p:grpSpPr>
+        <a:xfrm>
+          <a:off x="0" y="0"/>
+          <a:ext cx="0" cy="0"/>
+          <a:chOff x="0" y="0"/>
+          <a:chExt cx="0" cy="0"/>
+        </a:xfrm>
+      </p:grpSpPr>
+      <p:sp>
+        <p:nvSpPr>
+          <p:cNvPr id="2" name="Header Placeholder 1"/>
+          <p:cNvSpPr>
+            <a:spLocks noGrp="1"/>
+          </p:cNvSpPr>
+          <p:nvPr>
+            <p:ph type="hdr" sz="quarter"/>
+          </p:nvPr>
+        </p:nvSpPr>
+        <p:spPr>
+          <a:xfrm>
+            <a:off x="0" y="0"/>
+            <a:ext cx="2971800" cy="458788"/>
+          </a:xfrm>
+          <a:prstGeom prst="rect">
+            <a:avLst/>
+          </a:prstGeom>
+        </p:spPr>
+        <p:txBody>
+          <a:bodyPr vert="horz" lIns="91440" tIns="45720" rIns="91440" bIns="45720" rtlCol="0"/>
+          <a:lstStyle>
+            <a:lvl1pPr algn="l">
+              <a:defRPr sz="1200"/>
+            </a:lvl1pPr>
+          </a:lstStyle>
+          <a:p>
+            <a:endParaRPr lang="en-US"/>
+          </a:p>
+        </p:txBody>
+      </p:sp>
+      <p:sp>
+        <p:nvSpPr>
+          <p:cNvPr id="3" name="Date Placeholder 2"/>
+          <p:cNvSpPr>
+            <a:spLocks noGrp="1"/>
+          </p:cNvSpPr>
+          <p:nvPr>
+            <p:ph type="dt" idx="1"/>
+          </p:nvPr>
+        </p:nvSpPr>
+        <p:spPr>
+          <a:xfrm>
+            <a:off x="3884613" y="0"/>
+            <a:ext cx="2971800" cy="458788"/>
+          </a:xfrm>
+          <a:prstGeom prst="rect">
+            <a:avLst/>
+          </a:prstGeom>
+        </p:spPr>
+        <p:txBody>
+          <a:bodyPr vert="horz" lIns="91440" tIns="45720" rIns="91440" bIns="45720" rtlCol="0"/>
+          <a:lstStyle>
+            <a:lvl1pPr algn="r">
+              <a:defRPr sz="1200"/>
+            </a:lvl1pPr>
+          </a:lstStyle>
+          <a:p>
+            <a:fld id="{A81698D3-589F-0E48-91D7-BA9B6A674B25}" type="datetimeFigureOut">
+              <a:rPr lang="en-US" smtClean="0"/>
+              <a:t>10/30/17</a:t>
+            </a:fld>
+            <a:endParaRPr lang="en-US"/>
+          </a:p>
+        </p:txBody>
+      </p:sp>
+      <p:sp>
+        <p:nvSpPr>
+          <p:cNvPr id="4" name="Slide Image Placeholder 3"/>
+          <p:cNvSpPr>
+            <a:spLocks noGrp="1" noRot="1" noChangeAspect="1"/>
+          </p:cNvSpPr>
+          <p:nvPr>
+            <p:ph type="sldImg" idx="2"/>
+          </p:nvPr>
+        </p:nvSpPr>
+        <p:spPr>
+          <a:xfrm>
+            <a:off x="685800" y="1143000"/>
+            <a:ext cx="5486400" cy="3086100"/>
+          </a:xfrm>
+          <a:prstGeom prst="rect">
+            <a:avLst/>
+          </a:prstGeom>
+          <a:noFill/>
+          <a:ln w="12700">
+            <a:solidFill>
+              <a:prstClr val="black"/>
+            </a:solidFill>
+          </a:ln>
+        </p:spPr>
+        <p:txBody>
+          <a:bodyPr vert="horz" lIns="91440" tIns="45720" rIns="91440" bIns="45720" rtlCol="0" anchor="ctr"/>
+          <a:lstStyle/>
+          <a:p>
+            <a:endParaRPr lang="en-US"/>
+          </a:p>
+        </p:txBody>
+      </p:sp>
+      <p:sp>
+        <p:nvSpPr>
+          <p:cNvPr id="5" name="Notes Placeholder 4"/>
+          <p:cNvSpPr>
+            <a:spLocks noGrp="1"/>
+          </p:cNvSpPr>
+          <p:nvPr>
+            <p:ph type="body" sz="quarter" idx="3"/>
+          </p:nvPr>
+        </p:nvSpPr>
+        <p:spPr>
+          <a:xfrm>
+            <a:off x="685800" y="4400550"/>
+            <a:ext cx="5486400" cy="3600450"/>
+          </a:xfrm>
+          <a:prstGeom prst="rect">
+            <a:avLst/>
+          </a:prstGeom>
+        </p:spPr>
+        <p:txBody>
+          <a:bodyPr vert="horz" lIns="91440" tIns="45720" rIns="91440" bIns="45720" rtlCol="0"/>
+          <a:lstStyle/>
+          <a:p>
+            <a:pPr lvl="0"/>
+            <a:r>
+              <a:rPr lang="en-US" smtClean="0"/>
+              <a:t>Click to edit Master text styles</a:t>
+            </a:r>
+          </a:p>
+          <a:p>
+            <a:pPr lvl="1"/>
+            <a:r>
+              <a:rPr lang="en-US" smtClean="0"/>
+              <a:t>Second level</a:t>
+            </a:r>
+          </a:p>
+          <a:p>
+            <a:pPr lvl="2"/>
+            <a:r>
+              <a:rPr lang="en-US" smtClean="0"/>
+              <a:t>Third level</a:t>
+            </a:r>
+          </a:p>
+          <a:p>
+            <a:pPr lvl="3"/>
+            <a:r>
+              <a:rPr lang="en-US" smtClean="0"/>
+              <a:t>Fourth level</a:t>
+            </a:r>
+          </a:p>
+          <a:p>
+            <a:pPr lvl="4"/>
+            <a:r>
+              <a:rPr lang="en-US" smtClean="0"/>
+              <a:t>Fifth level</a:t>
+            </a:r>
+            <a:endParaRPr lang="en-US"/>
+          </a:p>
+        </p:txBody>
+      </p:sp>
+      <p:sp>
+        <p:nvSpPr>
+          <p:cNvPr id="6" name="Footer Placeholder 5"/>
+          <p:cNvSpPr>
+            <a:spLocks noGrp="1"/>
+          </p:cNvSpPr>
+          <p:nvPr>
+            <p:ph type="ftr" sz="quarter" idx="4"/>
+          </p:nvPr>
+        </p:nvSpPr>
+        <p:spPr>
+          <a:xfrm>
+            <a:off x="0" y="8685213"/>
+            <a:ext cx="2971800" cy="458787"/>
+          </a:xfrm>
+          <a:prstGeom prst="rect">
+            <a:avLst/>
+          </a:prstGeom>
+        </p:spPr>
+        <p:txBody>
+          <a:bodyPr vert="horz" lIns="91440" tIns="45720" rIns="91440" bIns="45720" rtlCol="0" anchor="b"/>
+          <a:lstStyle>
+            <a:lvl1pPr algn="l">
+              <a:defRPr sz="1200"/>
+            </a:lvl1pPr>
+          </a:lstStyle>
+          <a:p>
+            <a:endParaRPr lang="en-US"/>
+          </a:p>
+        </p:txBody>
+      </p:sp>
+      <p:sp>
+        <p:nvSpPr>
+          <p:cNvPr id="7" name="Slide Number Placeholder 6"/>
+          <p:cNvSpPr>
+            <a:spLocks noGrp="1"/>
+          </p:cNvSpPr>
+          <p:nvPr>
+            <p:ph type="sldNum" sz="quarter" idx="5"/>
+          </p:nvPr>
+        </p:nvSpPr>
+        <p:spPr>
+          <a:xfrm>
+            <a:off x="3884613" y="8685213"/>
+            <a:ext cx="2971800" cy="458787"/>
+          </a:xfrm>
+          <a:prstGeom prst="rect">
+            <a:avLst/>
+          </a:prstGeom>
+        </p:spPr>
+        <p:txBody>
+          <a:bodyPr vert="horz" lIns="91440" tIns="45720" rIns="91440" bIns="45720" rtlCol="0" anchor="b"/>
+          <a:lstStyle>
+            <a:lvl1pPr algn="r">
+              <a:defRPr sz="1200"/>
+            </a:lvl1pPr>
+          </a:lstStyle>
+          <a:p>
+            <a:fld id="{9035370B-0314-2541-8ADB-11B37E24D523}" type="slidenum">
+              <a:rPr lang="en-US" smtClean="0"/>
+              <a:t>‹#›</a:t>
+            </a:fld>
+            <a:endParaRPr lang="en-US"/>
+          </a:p>
+        </p:txBody>
+      </p:sp>
+    </p:spTree>
+    <p:extLst>
+      <p:ext uri="{BB962C8B-B14F-4D97-AF65-F5344CB8AC3E}">
+        <p14:creationId xmlns:p14="http://schemas.microsoft.com/office/powerpoint/2010/main" val="1208384148"/>
+      </p:ext>
+    </p:extLst>
+  </p:cSld>
+  <p:clrMap bg1="lt1" tx1="dk1" bg2="lt2" tx2="dk2" accent1="accent1" accent2="accent2" accent3="accent3" accent4="accent4" accent5="accent5" accent6="accent6" hlink="hlink" folHlink="folHlink"/>
+  <p:notesStyle>
+    <a:lvl1pPr marL="0" algn="l" defTabSz="914400" rtl="0" eaLnBrk="1" latinLnBrk="0" hangingPunct="1">
+      <a:defRPr sz="1200" kern="1200">
+        <a:solidFill>
+          <a:schemeClr val="tx1"/>
+        </a:solidFill>
+        <a:latin typeface="+mn-lt"/>
+        <a:ea typeface="+mn-ea"/>
+        <a:cs typeface="+mn-cs"/>
+      </a:defRPr>
+    </a:lvl1pPr>
+    <a:lvl2pPr marL="457200" algn="l" defTabSz="914400" rtl="0" eaLnBrk="1" latinLnBrk="0" hangingPunct="1">
+      <a:defRPr sz="1200" kern="1200">
+        <a:solidFill>
+          <a:schemeClr val="tx1"/>
+        </a:solidFill>
+        <a:latin typeface="+mn-lt"/>
+        <a:ea typeface="+mn-ea"/>
+        <a:cs typeface="+mn-cs"/>
+      </a:defRPr>
+    </a:lvl2pPr>
+    <a:lvl3pPr marL="914400" algn="l" defTabSz="914400" rtl="0" eaLnBrk="1" latinLnBrk="0" hangingPunct="1">
+      <a:defRPr sz="1200" kern="1200">
+        <a:solidFill>
+          <a:schemeClr val="tx1"/>
+        </a:solidFill>
+        <a:latin typeface="+mn-lt"/>
+        <a:ea typeface="+mn-ea"/>
+        <a:cs typeface="+mn-cs"/>
+      </a:defRPr>
+    </a:lvl3pPr>
+    <a:lvl4pPr marL="1371600" algn="l" defTabSz="914400" rtl="0" eaLnBrk="1" latinLnBrk="0" hangingPunct="1">
+      <a:defRPr sz="1200" kern="1200">
+        <a:solidFill>
+          <a:schemeClr val="tx1"/>
+        </a:solidFill>
+        <a:latin typeface="+mn-lt"/>
+        <a:ea typeface="+mn-ea"/>
+        <a:cs typeface="+mn-cs"/>
+      </a:defRPr>
+    </a:lvl4pPr>
+    <a:lvl5pPr marL="1828800" algn="l" defTabSz="914400" rtl="0" eaLnBrk="1" latinLnBrk="0" hangingPunct="1">
+      <a:defRPr sz="1200" kern="1200">
+        <a:solidFill>
+          <a:schemeClr val="tx1"/>
+        </a:solidFill>
+        <a:latin typeface="+mn-lt"/>
+        <a:ea typeface="+mn-ea"/>
+        <a:cs typeface="+mn-cs"/>
+      </a:defRPr>
+    </a:lvl5pPr>
+    <a:lvl6pPr marL="2286000" algn="l" defTabSz="914400" rtl="0" eaLnBrk="1" latinLnBrk="0" hangingPunct="1">
+      <a:defRPr sz="1200" kern="1200">
+        <a:solidFill>
+          <a:schemeClr val="tx1"/>
+        </a:solidFill>
+        <a:latin typeface="+mn-lt"/>
+        <a:ea typeface="+mn-ea"/>
+        <a:cs typeface="+mn-cs"/>
+      </a:defRPr>
+    </a:lvl6pPr>
+    <a:lvl7pPr marL="2743200" algn="l" defTabSz="914400" rtl="0" eaLnBrk="1" latinLnBrk="0" hangingPunct="1">
+      <a:defRPr sz="1200" kern="1200">
+        <a:solidFill>
+          <a:schemeClr val="tx1"/>
+        </a:solidFill>
+        <a:latin typeface="+mn-lt"/>
+        <a:ea typeface="+mn-ea"/>
+        <a:cs typeface="+mn-cs"/>
+      </a:defRPr>
+    </a:lvl7pPr>
+    <a:lvl8pPr marL="3200400" algn="l" defTabSz="914400" rtl="0" eaLnBrk="1" latinLnBrk="0" hangingPunct="1">
+      <a:defRPr sz="1200" kern="1200">
+        <a:solidFill>
+          <a:schemeClr val="tx1"/>
+        </a:solidFill>
+        <a:latin typeface="+mn-lt"/>
+        <a:ea typeface="+mn-ea"/>
+        <a:cs typeface="+mn-cs"/>
+      </a:defRPr>
+    </a:lvl8pPr>
+    <a:lvl9pPr marL="3657600" algn="l" defTabSz="914400" rtl="0" eaLnBrk="1" latinLnBrk="0" hangingPunct="1">
+      <a:defRPr sz="1200" kern="1200">
+        <a:solidFill>
+          <a:schemeClr val="tx1"/>
+        </a:solidFill>
+        <a:latin typeface="+mn-lt"/>
+        <a:ea typeface="+mn-ea"/>
+        <a:cs typeface="+mn-cs"/>
+      </a:defRPr>
+    </a:lvl9pPr>
+  </p:notesStyle>
+</p:notesMaster>
 </file>
 
 <file path=ppt/slideLayouts/slideLayout1.xml><?xml version="1.0" encoding="utf-8"?>
@@ -478,7 +848,7 @@
             <a:fld id="{3C633830-2244-49AE-BC4A-47F415C177C6}" type="datetimeFigureOut">
               <a:rPr lang="en-US" dirty="0"/>
               <a:pPr/>
-              <a:t>9/19/17</a:t>
+              <a:t>10/30/17</a:t>
             </a:fld>
             <a:endParaRPr lang="en-US" dirty="0"/>
           </a:p>
@@ -721,7 +1091,7 @@
           <a:p>
             <a:fld id="{3C633830-2244-49AE-BC4A-47F415C177C6}" type="datetimeFigureOut">
               <a:rPr lang="en-US" dirty="0"/>
-              <a:t>9/19/17</a:t>
+              <a:t>10/30/17</a:t>
             </a:fld>
             <a:endParaRPr lang="en-US" dirty="0"/>
           </a:p>
@@ -1102,7 +1472,7 @@
           <a:p>
             <a:fld id="{3C633830-2244-49AE-BC4A-47F415C177C6}" type="datetimeFigureOut">
               <a:rPr lang="en-US" dirty="0"/>
-              <a:t>9/19/17</a:t>
+              <a:t>10/30/17</a:t>
             </a:fld>
             <a:endParaRPr lang="en-US" dirty="0"/>
           </a:p>
@@ -1326,7 +1696,7 @@
           <a:p>
             <a:fld id="{3C633830-2244-49AE-BC4A-47F415C177C6}" type="datetimeFigureOut">
               <a:rPr lang="en-US" dirty="0"/>
-              <a:t>9/19/17</a:t>
+              <a:t>10/30/17</a:t>
             </a:fld>
             <a:endParaRPr lang="en-US" dirty="0"/>
           </a:p>
@@ -1813,7 +2183,7 @@
             <a:fld id="{3C633830-2244-49AE-BC4A-47F415C177C6}" type="datetimeFigureOut">
               <a:rPr lang="en-US" dirty="0"/>
               <a:pPr/>
-              <a:t>9/19/17</a:t>
+              <a:t>10/30/17</a:t>
             </a:fld>
             <a:endParaRPr lang="en-US" dirty="0"/>
           </a:p>
@@ -2119,7 +2489,7 @@
           <a:p>
             <a:fld id="{3C633830-2244-49AE-BC4A-47F415C177C6}" type="datetimeFigureOut">
               <a:rPr lang="en-US" dirty="0"/>
-              <a:t>9/19/17</a:t>
+              <a:t>10/30/17</a:t>
             </a:fld>
             <a:endParaRPr lang="en-US" dirty="0"/>
           </a:p>
@@ -2505,7 +2875,7 @@
           <a:p>
             <a:fld id="{3C633830-2244-49AE-BC4A-47F415C177C6}" type="datetimeFigureOut">
               <a:rPr lang="en-US" dirty="0"/>
-              <a:t>9/19/17</a:t>
+              <a:t>10/30/17</a:t>
             </a:fld>
             <a:endParaRPr lang="en-US" dirty="0"/>
           </a:p>
@@ -2618,7 +2988,7 @@
           <a:p>
             <a:fld id="{3C633830-2244-49AE-BC4A-47F415C177C6}" type="datetimeFigureOut">
               <a:rPr lang="en-US" dirty="0"/>
-              <a:t>9/19/17</a:t>
+              <a:t>10/30/17</a:t>
             </a:fld>
             <a:endParaRPr lang="en-US" dirty="0"/>
           </a:p>
@@ -2708,7 +3078,7 @@
           <a:p>
             <a:fld id="{3C633830-2244-49AE-BC4A-47F415C177C6}" type="datetimeFigureOut">
               <a:rPr lang="en-US" dirty="0"/>
-              <a:t>9/19/17</a:t>
+              <a:t>10/30/17</a:t>
             </a:fld>
             <a:endParaRPr lang="en-US" dirty="0"/>
           </a:p>
@@ -3003,7 +3373,7 @@
           <a:p>
             <a:fld id="{3C633830-2244-49AE-BC4A-47F415C177C6}" type="datetimeFigureOut">
               <a:rPr lang="en-US" dirty="0"/>
-              <a:t>9/19/17</a:t>
+              <a:t>10/30/17</a:t>
             </a:fld>
             <a:endParaRPr lang="en-US" dirty="0"/>
           </a:p>
@@ -3263,7 +3633,7 @@
           <a:p>
             <a:fld id="{3C633830-2244-49AE-BC4A-47F415C177C6}" type="datetimeFigureOut">
               <a:rPr lang="en-US" dirty="0"/>
-              <a:t>9/19/17</a:t>
+              <a:t>10/30/17</a:t>
             </a:fld>
             <a:endParaRPr lang="en-US" dirty="0"/>
           </a:p>
@@ -3677,7 +4047,7 @@
             <a:fld id="{3C633830-2244-49AE-BC4A-47F415C177C6}" type="datetimeFigureOut">
               <a:rPr lang="en-US" dirty="0"/>
               <a:pPr/>
-              <a:t>9/19/17</a:t>
+              <a:t>10/30/17</a:t>
             </a:fld>
             <a:endParaRPr lang="en-US" dirty="0"/>
           </a:p>
@@ -4328,6 +4698,939 @@
 </p:sld>
 </file>
 
+<file path=ppt/slides/slide10.xml><?xml version="1.0" encoding="utf-8"?>
+<p:sld xmlns:a="http://schemas.openxmlformats.org/drawingml/2006/main" xmlns:r="http://schemas.openxmlformats.org/officeDocument/2006/relationships" xmlns:p="http://schemas.openxmlformats.org/presentationml/2006/main">
+  <p:cSld>
+    <p:spTree>
+      <p:nvGrpSpPr>
+        <p:cNvPr id="1" name=""/>
+        <p:cNvGrpSpPr/>
+        <p:nvPr/>
+      </p:nvGrpSpPr>
+      <p:grpSpPr>
+        <a:xfrm>
+          <a:off x="0" y="0"/>
+          <a:ext cx="0" cy="0"/>
+          <a:chOff x="0" y="0"/>
+          <a:chExt cx="0" cy="0"/>
+        </a:xfrm>
+      </p:grpSpPr>
+      <p:sp>
+        <p:nvSpPr>
+          <p:cNvPr id="2" name="Title 1">
+            <a:extLst>
+              <a:ext uri="{FF2B5EF4-FFF2-40B4-BE49-F238E27FC236}">
+                <a16:creationId xmlns:a16="http://schemas.microsoft.com/office/drawing/2014/main" xmlns="" id="{B89E82D4-2CCB-4A7A-BF74-9F097683FB76}"/>
+              </a:ext>
+            </a:extLst>
+          </p:cNvPr>
+          <p:cNvSpPr>
+            <a:spLocks noGrp="1"/>
+          </p:cNvSpPr>
+          <p:nvPr>
+            <p:ph type="title"/>
+          </p:nvPr>
+        </p:nvSpPr>
+        <p:spPr/>
+        <p:txBody>
+          <a:bodyPr/>
+          <a:lstStyle/>
+          <a:p>
+            <a:r>
+              <a:rPr lang="en-US" dirty="0"/>
+              <a:t>WordClouds at Make level</a:t>
+            </a:r>
+          </a:p>
+        </p:txBody>
+      </p:sp>
+      <p:sp>
+        <p:nvSpPr>
+          <p:cNvPr id="3" name="Content Placeholder 2">
+            <a:extLst>
+              <a:ext uri="{FF2B5EF4-FFF2-40B4-BE49-F238E27FC236}">
+                <a16:creationId xmlns:a16="http://schemas.microsoft.com/office/drawing/2014/main" xmlns="" id="{803BFDA2-9F5A-445C-8EAA-F10ADF221F1F}"/>
+              </a:ext>
+            </a:extLst>
+          </p:cNvPr>
+          <p:cNvSpPr>
+            <a:spLocks noGrp="1"/>
+          </p:cNvSpPr>
+          <p:nvPr>
+            <p:ph idx="1"/>
+          </p:nvPr>
+        </p:nvSpPr>
+        <p:spPr/>
+        <p:txBody>
+          <a:bodyPr/>
+          <a:lstStyle/>
+          <a:p>
+            <a:r>
+              <a:rPr lang="en-US" b="1" dirty="0"/>
+              <a:t>WORDCLOUD for the make ‘APPLE’</a:t>
+            </a:r>
+          </a:p>
+          <a:p>
+            <a:endParaRPr lang="en-US" b="1" dirty="0"/>
+          </a:p>
+        </p:txBody>
+      </p:sp>
+      <p:pic>
+        <p:nvPicPr>
+          <p:cNvPr id="5" name="Picture 4">
+            <a:extLst>
+              <a:ext uri="{FF2B5EF4-FFF2-40B4-BE49-F238E27FC236}">
+                <a16:creationId xmlns:a16="http://schemas.microsoft.com/office/drawing/2014/main" xmlns="" id="{CB6FA2D4-EB43-4F9A-8AAD-1D0EF41FAE78}"/>
+              </a:ext>
+            </a:extLst>
+          </p:cNvPr>
+          <p:cNvPicPr>
+            <a:picLocks noChangeAspect="1"/>
+          </p:cNvPicPr>
+          <p:nvPr/>
+        </p:nvPicPr>
+        <p:blipFill>
+          <a:blip r:embed="rId2"/>
+          <a:stretch>
+            <a:fillRect/>
+          </a:stretch>
+        </p:blipFill>
+        <p:spPr>
+          <a:xfrm>
+            <a:off x="5181600" y="1352938"/>
+            <a:ext cx="5849627" cy="3858668"/>
+          </a:xfrm>
+          <a:prstGeom prst="rect">
+            <a:avLst/>
+          </a:prstGeom>
+        </p:spPr>
+      </p:pic>
+    </p:spTree>
+    <p:extLst>
+      <p:ext uri="{BB962C8B-B14F-4D97-AF65-F5344CB8AC3E}">
+        <p14:creationId xmlns:p14="http://schemas.microsoft.com/office/powerpoint/2010/main" val="166300303"/>
+      </p:ext>
+    </p:extLst>
+  </p:cSld>
+  <p:clrMapOvr>
+    <a:masterClrMapping/>
+  </p:clrMapOvr>
+</p:sld>
+</file>
+
+<file path=ppt/slides/slide11.xml><?xml version="1.0" encoding="utf-8"?>
+<p:sld xmlns:a="http://schemas.openxmlformats.org/drawingml/2006/main" xmlns:r="http://schemas.openxmlformats.org/officeDocument/2006/relationships" xmlns:p="http://schemas.openxmlformats.org/presentationml/2006/main">
+  <p:cSld>
+    <p:spTree>
+      <p:nvGrpSpPr>
+        <p:cNvPr id="1" name=""/>
+        <p:cNvGrpSpPr/>
+        <p:nvPr/>
+      </p:nvGrpSpPr>
+      <p:grpSpPr>
+        <a:xfrm>
+          <a:off x="0" y="0"/>
+          <a:ext cx="0" cy="0"/>
+          <a:chOff x="0" y="0"/>
+          <a:chExt cx="0" cy="0"/>
+        </a:xfrm>
+      </p:grpSpPr>
+      <p:sp>
+        <p:nvSpPr>
+          <p:cNvPr id="2" name="Title 1">
+            <a:extLst>
+              <a:ext uri="{FF2B5EF4-FFF2-40B4-BE49-F238E27FC236}">
+                <a16:creationId xmlns:a16="http://schemas.microsoft.com/office/drawing/2014/main" xmlns="" id="{C789825A-DFA5-4601-B838-44599C7181A0}"/>
+              </a:ext>
+            </a:extLst>
+          </p:cNvPr>
+          <p:cNvSpPr>
+            <a:spLocks noGrp="1"/>
+          </p:cNvSpPr>
+          <p:nvPr>
+            <p:ph type="title"/>
+          </p:nvPr>
+        </p:nvSpPr>
+        <p:spPr/>
+        <p:txBody>
+          <a:bodyPr/>
+          <a:lstStyle/>
+          <a:p>
+            <a:r>
+              <a:rPr lang="en-US" dirty="0"/>
+              <a:t>When WordCloud gets FANCY</a:t>
+            </a:r>
+          </a:p>
+        </p:txBody>
+      </p:sp>
+      <p:sp>
+        <p:nvSpPr>
+          <p:cNvPr id="3" name="Content Placeholder 2">
+            <a:extLst>
+              <a:ext uri="{FF2B5EF4-FFF2-40B4-BE49-F238E27FC236}">
+                <a16:creationId xmlns:a16="http://schemas.microsoft.com/office/drawing/2014/main" xmlns="" id="{D0EA1768-8799-4764-91AC-9902DD3C0464}"/>
+              </a:ext>
+            </a:extLst>
+          </p:cNvPr>
+          <p:cNvSpPr>
+            <a:spLocks noGrp="1"/>
+          </p:cNvSpPr>
+          <p:nvPr>
+            <p:ph idx="1"/>
+          </p:nvPr>
+        </p:nvSpPr>
+        <p:spPr/>
+        <p:txBody>
+          <a:bodyPr/>
+          <a:lstStyle/>
+          <a:p>
+            <a:r>
+              <a:rPr lang="en-US" b="1" dirty="0"/>
+              <a:t>FANCY WORDCLOUD FOR THE MAKE ‘APPLE’</a:t>
+            </a:r>
+          </a:p>
+          <a:p>
+            <a:r>
+              <a:rPr lang="en-US" dirty="0"/>
+              <a:t>Picture showing the wordcloud masked in the form of Apple logo along with the colors.</a:t>
+            </a:r>
+          </a:p>
+        </p:txBody>
+      </p:sp>
+      <p:pic>
+        <p:nvPicPr>
+          <p:cNvPr id="5" name="Picture 4">
+            <a:extLst>
+              <a:ext uri="{FF2B5EF4-FFF2-40B4-BE49-F238E27FC236}">
+                <a16:creationId xmlns:a16="http://schemas.microsoft.com/office/drawing/2014/main" xmlns="" id="{577C18BA-A811-414C-BE10-C6C1ACC7123C}"/>
+              </a:ext>
+            </a:extLst>
+          </p:cNvPr>
+          <p:cNvPicPr>
+            <a:picLocks noChangeAspect="1"/>
+          </p:cNvPicPr>
+          <p:nvPr/>
+        </p:nvPicPr>
+        <p:blipFill>
+          <a:blip r:embed="rId2"/>
+          <a:stretch>
+            <a:fillRect/>
+          </a:stretch>
+        </p:blipFill>
+        <p:spPr>
+          <a:xfrm>
+            <a:off x="5268610" y="2393991"/>
+            <a:ext cx="3315604" cy="2909611"/>
+          </a:xfrm>
+          <a:prstGeom prst="rect">
+            <a:avLst/>
+          </a:prstGeom>
+        </p:spPr>
+      </p:pic>
+      <p:pic>
+        <p:nvPicPr>
+          <p:cNvPr id="7" name="Picture 6">
+            <a:extLst>
+              <a:ext uri="{FF2B5EF4-FFF2-40B4-BE49-F238E27FC236}">
+                <a16:creationId xmlns:a16="http://schemas.microsoft.com/office/drawing/2014/main" xmlns="" id="{BF24D262-615C-41D4-8D28-B73831B0D743}"/>
+              </a:ext>
+            </a:extLst>
+          </p:cNvPr>
+          <p:cNvPicPr>
+            <a:picLocks noChangeAspect="1"/>
+          </p:cNvPicPr>
+          <p:nvPr/>
+        </p:nvPicPr>
+        <p:blipFill>
+          <a:blip r:embed="rId3"/>
+          <a:stretch>
+            <a:fillRect/>
+          </a:stretch>
+        </p:blipFill>
+        <p:spPr>
+          <a:xfrm>
+            <a:off x="8671224" y="2393992"/>
+            <a:ext cx="2682467" cy="2909611"/>
+          </a:xfrm>
+          <a:prstGeom prst="rect">
+            <a:avLst/>
+          </a:prstGeom>
+        </p:spPr>
+      </p:pic>
+    </p:spTree>
+    <p:extLst>
+      <p:ext uri="{BB962C8B-B14F-4D97-AF65-F5344CB8AC3E}">
+        <p14:creationId xmlns:p14="http://schemas.microsoft.com/office/powerpoint/2010/main" val="1132967774"/>
+      </p:ext>
+    </p:extLst>
+  </p:cSld>
+  <p:clrMapOvr>
+    <a:masterClrMapping/>
+  </p:clrMapOvr>
+</p:sld>
+</file>
+
+<file path=ppt/slides/slide12.xml><?xml version="1.0" encoding="utf-8"?>
+<p:sld xmlns:a="http://schemas.openxmlformats.org/drawingml/2006/main" xmlns:r="http://schemas.openxmlformats.org/officeDocument/2006/relationships" xmlns:p="http://schemas.openxmlformats.org/presentationml/2006/main">
+  <p:cSld>
+    <p:spTree>
+      <p:nvGrpSpPr>
+        <p:cNvPr id="1" name=""/>
+        <p:cNvGrpSpPr/>
+        <p:nvPr/>
+      </p:nvGrpSpPr>
+      <p:grpSpPr>
+        <a:xfrm>
+          <a:off x="0" y="0"/>
+          <a:ext cx="0" cy="0"/>
+          <a:chOff x="0" y="0"/>
+          <a:chExt cx="0" cy="0"/>
+        </a:xfrm>
+      </p:grpSpPr>
+      <p:sp>
+        <p:nvSpPr>
+          <p:cNvPr id="2" name="Title 1">
+            <a:extLst>
+              <a:ext uri="{FF2B5EF4-FFF2-40B4-BE49-F238E27FC236}">
+                <a16:creationId xmlns:a16="http://schemas.microsoft.com/office/drawing/2014/main" xmlns="" id="{07CB48A9-686B-4060-8D38-7418E3749A6F}"/>
+              </a:ext>
+            </a:extLst>
+          </p:cNvPr>
+          <p:cNvSpPr>
+            <a:spLocks noGrp="1"/>
+          </p:cNvSpPr>
+          <p:nvPr>
+            <p:ph type="title"/>
+          </p:nvPr>
+        </p:nvSpPr>
+        <p:spPr/>
+        <p:txBody>
+          <a:bodyPr/>
+          <a:lstStyle/>
+          <a:p>
+            <a:r>
+              <a:rPr lang="en-US" dirty="0"/>
+              <a:t>Plot for Make vs Ratings </a:t>
+            </a:r>
+          </a:p>
+        </p:txBody>
+      </p:sp>
+      <p:sp>
+        <p:nvSpPr>
+          <p:cNvPr id="8" name="Content Placeholder 7">
+            <a:extLst>
+              <a:ext uri="{FF2B5EF4-FFF2-40B4-BE49-F238E27FC236}">
+                <a16:creationId xmlns:a16="http://schemas.microsoft.com/office/drawing/2014/main" xmlns="" id="{F1D31B8D-CE9A-4D96-BACF-7B1F5B9D4F7D}"/>
+              </a:ext>
+            </a:extLst>
+          </p:cNvPr>
+          <p:cNvSpPr>
+            <a:spLocks noGrp="1"/>
+          </p:cNvSpPr>
+          <p:nvPr>
+            <p:ph idx="1"/>
+          </p:nvPr>
+        </p:nvSpPr>
+        <p:spPr/>
+        <p:txBody>
+          <a:bodyPr/>
+          <a:lstStyle/>
+          <a:p>
+            <a:r>
+              <a:rPr lang="en-US" dirty="0"/>
+              <a:t>This is the plot for Make vs Avg. Ratings.</a:t>
+            </a:r>
+          </a:p>
+          <a:p>
+            <a:r>
+              <a:rPr lang="en-US" dirty="0"/>
+              <a:t>Mean of all the ratings and the number of ratings are considered in this plot.</a:t>
+            </a:r>
+          </a:p>
+        </p:txBody>
+      </p:sp>
+      <p:pic>
+        <p:nvPicPr>
+          <p:cNvPr id="10" name="Picture 9">
+            <a:extLst>
+              <a:ext uri="{FF2B5EF4-FFF2-40B4-BE49-F238E27FC236}">
+                <a16:creationId xmlns:a16="http://schemas.microsoft.com/office/drawing/2014/main" xmlns="" id="{0AF83586-A97A-45CE-8738-25D7BC1FDB1F}"/>
+              </a:ext>
+            </a:extLst>
+          </p:cNvPr>
+          <p:cNvPicPr>
+            <a:picLocks noChangeAspect="1"/>
+          </p:cNvPicPr>
+          <p:nvPr/>
+        </p:nvPicPr>
+        <p:blipFill>
+          <a:blip r:embed="rId2"/>
+          <a:stretch>
+            <a:fillRect/>
+          </a:stretch>
+        </p:blipFill>
+        <p:spPr>
+          <a:xfrm>
+            <a:off x="5748281" y="2299028"/>
+            <a:ext cx="4763585" cy="3925194"/>
+          </a:xfrm>
+          <a:prstGeom prst="rect">
+            <a:avLst/>
+          </a:prstGeom>
+        </p:spPr>
+      </p:pic>
+    </p:spTree>
+    <p:extLst>
+      <p:ext uri="{BB962C8B-B14F-4D97-AF65-F5344CB8AC3E}">
+        <p14:creationId xmlns:p14="http://schemas.microsoft.com/office/powerpoint/2010/main" val="51879669"/>
+      </p:ext>
+    </p:extLst>
+  </p:cSld>
+  <p:clrMapOvr>
+    <a:masterClrMapping/>
+  </p:clrMapOvr>
+</p:sld>
+</file>
+
+<file path=ppt/slides/slide13.xml><?xml version="1.0" encoding="utf-8"?>
+<p:sld xmlns:a="http://schemas.openxmlformats.org/drawingml/2006/main" xmlns:r="http://schemas.openxmlformats.org/officeDocument/2006/relationships" xmlns:p="http://schemas.openxmlformats.org/presentationml/2006/main">
+  <p:cSld>
+    <p:spTree>
+      <p:nvGrpSpPr>
+        <p:cNvPr id="1" name=""/>
+        <p:cNvGrpSpPr/>
+        <p:nvPr/>
+      </p:nvGrpSpPr>
+      <p:grpSpPr>
+        <a:xfrm>
+          <a:off x="0" y="0"/>
+          <a:ext cx="0" cy="0"/>
+          <a:chOff x="0" y="0"/>
+          <a:chExt cx="0" cy="0"/>
+        </a:xfrm>
+      </p:grpSpPr>
+      <p:sp>
+        <p:nvSpPr>
+          <p:cNvPr id="2" name="Title 1"/>
+          <p:cNvSpPr>
+            <a:spLocks noGrp="1"/>
+          </p:cNvSpPr>
+          <p:nvPr>
+            <p:ph type="title"/>
+          </p:nvPr>
+        </p:nvSpPr>
+        <p:spPr/>
+        <p:txBody>
+          <a:bodyPr>
+            <a:normAutofit/>
+          </a:bodyPr>
+          <a:lstStyle/>
+          <a:p>
+            <a:pPr algn="ctr"/>
+            <a:r>
+              <a:rPr lang="en-US" sz="3200" dirty="0" smtClean="0"/>
+              <a:t>Converting </a:t>
+            </a:r>
+            <a:br>
+              <a:rPr lang="en-US" sz="3200" dirty="0" smtClean="0"/>
+            </a:br>
+            <a:r>
+              <a:rPr lang="en-US" sz="3200" dirty="0" smtClean="0"/>
+              <a:t>short </a:t>
+            </a:r>
+            <a:r>
+              <a:rPr lang="en-US" sz="3200" dirty="0"/>
+              <a:t>words/ </a:t>
+            </a:r>
+            <a:r>
+              <a:rPr lang="en-US" sz="3200" dirty="0" smtClean="0"/>
+              <a:t>abbreviations to full words </a:t>
+            </a:r>
+            <a:endParaRPr lang="en-US" sz="3200" dirty="0"/>
+          </a:p>
+        </p:txBody>
+      </p:sp>
+      <p:sp>
+        <p:nvSpPr>
+          <p:cNvPr id="3" name="Content Placeholder 2"/>
+          <p:cNvSpPr>
+            <a:spLocks noGrp="1"/>
+          </p:cNvSpPr>
+          <p:nvPr>
+            <p:ph idx="1"/>
+          </p:nvPr>
+        </p:nvSpPr>
+        <p:spPr/>
+        <p:txBody>
+          <a:bodyPr/>
+          <a:lstStyle/>
+          <a:p>
+            <a:r>
+              <a:rPr lang="en-US" dirty="0" smtClean="0"/>
+              <a:t>It is necessary to convert the slang words/abbreviations like luv, haven’t, didn’t etc. to full words so that the classifier can detect the content accurately.</a:t>
+            </a:r>
+          </a:p>
+          <a:p>
+            <a:r>
+              <a:rPr lang="en-US" dirty="0" smtClean="0"/>
+              <a:t>Here is the sample:</a:t>
+            </a:r>
+          </a:p>
+          <a:p>
+            <a:endParaRPr lang="en-US" dirty="0"/>
+          </a:p>
+        </p:txBody>
+      </p:sp>
+      <p:pic>
+        <p:nvPicPr>
+          <p:cNvPr id="4" name="Picture 3"/>
+          <p:cNvPicPr>
+            <a:picLocks noChangeAspect="1"/>
+          </p:cNvPicPr>
+          <p:nvPr/>
+        </p:nvPicPr>
+        <p:blipFill>
+          <a:blip r:embed="rId2">
+            <a:extLst>
+              <a:ext uri="{28A0092B-C50C-407E-A947-70E740481C1C}">
+                <a14:useLocalDpi xmlns:a14="http://schemas.microsoft.com/office/drawing/2010/main" val="0"/>
+              </a:ext>
+            </a:extLst>
+          </a:blip>
+          <a:stretch>
+            <a:fillRect/>
+          </a:stretch>
+        </p:blipFill>
+        <p:spPr>
+          <a:xfrm>
+            <a:off x="1033462" y="2646362"/>
+            <a:ext cx="9512300" cy="2095500"/>
+          </a:xfrm>
+          <a:prstGeom prst="rect">
+            <a:avLst/>
+          </a:prstGeom>
+        </p:spPr>
+      </p:pic>
+      <p:pic>
+        <p:nvPicPr>
+          <p:cNvPr id="5" name="Picture 4"/>
+          <p:cNvPicPr>
+            <a:picLocks noChangeAspect="1"/>
+          </p:cNvPicPr>
+          <p:nvPr/>
+        </p:nvPicPr>
+        <p:blipFill>
+          <a:blip r:embed="rId3">
+            <a:extLst>
+              <a:ext uri="{28A0092B-C50C-407E-A947-70E740481C1C}">
+                <a14:useLocalDpi xmlns:a14="http://schemas.microsoft.com/office/drawing/2010/main" val="0"/>
+              </a:ext>
+            </a:extLst>
+          </a:blip>
+          <a:stretch>
+            <a:fillRect/>
+          </a:stretch>
+        </p:blipFill>
+        <p:spPr>
+          <a:xfrm>
+            <a:off x="3665537" y="5094728"/>
+            <a:ext cx="3403600" cy="762000"/>
+          </a:xfrm>
+          <a:prstGeom prst="rect">
+            <a:avLst/>
+          </a:prstGeom>
+        </p:spPr>
+      </p:pic>
+    </p:spTree>
+    <p:extLst>
+      <p:ext uri="{BB962C8B-B14F-4D97-AF65-F5344CB8AC3E}">
+        <p14:creationId xmlns:p14="http://schemas.microsoft.com/office/powerpoint/2010/main" val="118507686"/>
+      </p:ext>
+    </p:extLst>
+  </p:cSld>
+  <p:clrMapOvr>
+    <a:masterClrMapping/>
+  </p:clrMapOvr>
+</p:sld>
+</file>
+
+<file path=ppt/slides/slide14.xml><?xml version="1.0" encoding="utf-8"?>
+<p:sld xmlns:a="http://schemas.openxmlformats.org/drawingml/2006/main" xmlns:r="http://schemas.openxmlformats.org/officeDocument/2006/relationships" xmlns:p="http://schemas.openxmlformats.org/presentationml/2006/main">
+  <p:cSld>
+    <p:spTree>
+      <p:nvGrpSpPr>
+        <p:cNvPr id="1" name=""/>
+        <p:cNvGrpSpPr/>
+        <p:nvPr/>
+      </p:nvGrpSpPr>
+      <p:grpSpPr>
+        <a:xfrm>
+          <a:off x="0" y="0"/>
+          <a:ext cx="0" cy="0"/>
+          <a:chOff x="0" y="0"/>
+          <a:chExt cx="0" cy="0"/>
+        </a:xfrm>
+      </p:grpSpPr>
+      <p:sp>
+        <p:nvSpPr>
+          <p:cNvPr id="2" name="Title 1"/>
+          <p:cNvSpPr>
+            <a:spLocks noGrp="1"/>
+          </p:cNvSpPr>
+          <p:nvPr>
+            <p:ph type="title"/>
+          </p:nvPr>
+        </p:nvSpPr>
+        <p:spPr/>
+        <p:txBody>
+          <a:bodyPr>
+            <a:normAutofit/>
+          </a:bodyPr>
+          <a:lstStyle/>
+          <a:p>
+            <a:pPr algn="ctr"/>
+            <a:r>
+              <a:rPr lang="en-US" sz="3200" dirty="0" smtClean="0"/>
+              <a:t>Classification of Reviews to Positive/Negative/Neutral</a:t>
+            </a:r>
+            <a:endParaRPr lang="en-US" sz="3200" dirty="0"/>
+          </a:p>
+        </p:txBody>
+      </p:sp>
+      <p:sp>
+        <p:nvSpPr>
+          <p:cNvPr id="3" name="Content Placeholder 2"/>
+          <p:cNvSpPr>
+            <a:spLocks noGrp="1"/>
+          </p:cNvSpPr>
+          <p:nvPr>
+            <p:ph idx="1"/>
+          </p:nvPr>
+        </p:nvSpPr>
+        <p:spPr/>
+        <p:txBody>
+          <a:bodyPr/>
+          <a:lstStyle/>
+          <a:p>
+            <a:r>
+              <a:rPr lang="en-US" dirty="0" smtClean="0">
+                <a:solidFill>
+                  <a:schemeClr val="tx1"/>
+                </a:solidFill>
+              </a:rPr>
+              <a:t>The reviews are classified based on the content of each review.</a:t>
+            </a:r>
+          </a:p>
+          <a:p>
+            <a:r>
+              <a:rPr lang="en-US" dirty="0" smtClean="0">
+                <a:solidFill>
+                  <a:schemeClr val="tx1"/>
+                </a:solidFill>
+              </a:rPr>
+              <a:t>This is achieved based polarity and subjectivity of text which is decided by NaïveBayesClassifier.</a:t>
+            </a:r>
+          </a:p>
+          <a:p>
+            <a:r>
+              <a:rPr lang="en-US" dirty="0" smtClean="0">
+                <a:solidFill>
+                  <a:schemeClr val="tx1"/>
+                </a:solidFill>
+              </a:rPr>
+              <a:t>The NaïveBayesClassifier is trained with set of positive, negative and neutral words.</a:t>
+            </a:r>
+            <a:endParaRPr lang="en-US" dirty="0">
+              <a:solidFill>
+                <a:schemeClr val="tx1"/>
+              </a:solidFill>
+            </a:endParaRPr>
+          </a:p>
+        </p:txBody>
+      </p:sp>
+      <p:pic>
+        <p:nvPicPr>
+          <p:cNvPr id="4" name="Picture 3"/>
+          <p:cNvPicPr>
+            <a:picLocks noChangeAspect="1"/>
+          </p:cNvPicPr>
+          <p:nvPr/>
+        </p:nvPicPr>
+        <p:blipFill>
+          <a:blip r:embed="rId2">
+            <a:extLst>
+              <a:ext uri="{28A0092B-C50C-407E-A947-70E740481C1C}">
+                <a14:useLocalDpi xmlns:a14="http://schemas.microsoft.com/office/drawing/2010/main" val="0"/>
+              </a:ext>
+            </a:extLst>
+          </a:blip>
+          <a:stretch>
+            <a:fillRect/>
+          </a:stretch>
+        </p:blipFill>
+        <p:spPr>
+          <a:xfrm>
+            <a:off x="900113" y="3155950"/>
+            <a:ext cx="10058400" cy="2797366"/>
+          </a:xfrm>
+          <a:prstGeom prst="rect">
+            <a:avLst/>
+          </a:prstGeom>
+        </p:spPr>
+      </p:pic>
+    </p:spTree>
+    <p:extLst>
+      <p:ext uri="{BB962C8B-B14F-4D97-AF65-F5344CB8AC3E}">
+        <p14:creationId xmlns:p14="http://schemas.microsoft.com/office/powerpoint/2010/main" val="766597627"/>
+      </p:ext>
+    </p:extLst>
+  </p:cSld>
+  <p:clrMapOvr>
+    <a:masterClrMapping/>
+  </p:clrMapOvr>
+</p:sld>
+</file>
+
+<file path=ppt/slides/slide15.xml><?xml version="1.0" encoding="utf-8"?>
+<p:sld xmlns:a="http://schemas.openxmlformats.org/drawingml/2006/main" xmlns:r="http://schemas.openxmlformats.org/officeDocument/2006/relationships" xmlns:p="http://schemas.openxmlformats.org/presentationml/2006/main">
+  <p:cSld>
+    <p:spTree>
+      <p:nvGrpSpPr>
+        <p:cNvPr id="1" name=""/>
+        <p:cNvGrpSpPr/>
+        <p:nvPr/>
+      </p:nvGrpSpPr>
+      <p:grpSpPr>
+        <a:xfrm>
+          <a:off x="0" y="0"/>
+          <a:ext cx="0" cy="0"/>
+          <a:chOff x="0" y="0"/>
+          <a:chExt cx="0" cy="0"/>
+        </a:xfrm>
+      </p:grpSpPr>
+      <p:sp>
+        <p:nvSpPr>
+          <p:cNvPr id="2" name="Title 1"/>
+          <p:cNvSpPr>
+            <a:spLocks noGrp="1"/>
+          </p:cNvSpPr>
+          <p:nvPr>
+            <p:ph type="title"/>
+          </p:nvPr>
+        </p:nvSpPr>
+        <p:spPr>
+          <a:xfrm>
+            <a:off x="762000" y="559678"/>
+            <a:ext cx="3833906" cy="602148"/>
+          </a:xfrm>
+        </p:spPr>
+        <p:txBody>
+          <a:bodyPr>
+            <a:normAutofit fontScale="90000"/>
+          </a:bodyPr>
+          <a:lstStyle/>
+          <a:p>
+            <a:pPr algn="ctr"/>
+            <a:r>
+              <a:rPr lang="en-US" sz="3200" dirty="0" smtClean="0"/>
+              <a:t>Analysis on “Tag” for Laptops Dataset</a:t>
+            </a:r>
+            <a:endParaRPr lang="en-US" sz="3200" dirty="0"/>
+          </a:p>
+        </p:txBody>
+      </p:sp>
+      <p:pic>
+        <p:nvPicPr>
+          <p:cNvPr id="9" name="Picture 8"/>
+          <p:cNvPicPr>
+            <a:picLocks noChangeAspect="1"/>
+          </p:cNvPicPr>
+          <p:nvPr/>
+        </p:nvPicPr>
+        <p:blipFill>
+          <a:blip r:embed="rId2">
+            <a:extLst>
+              <a:ext uri="{28A0092B-C50C-407E-A947-70E740481C1C}">
+                <a14:useLocalDpi xmlns:a14="http://schemas.microsoft.com/office/drawing/2010/main" val="0"/>
+              </a:ext>
+            </a:extLst>
+          </a:blip>
+          <a:stretch>
+            <a:fillRect/>
+          </a:stretch>
+        </p:blipFill>
+        <p:spPr>
+          <a:xfrm>
+            <a:off x="6464298" y="146611"/>
+            <a:ext cx="4608515" cy="2953778"/>
+          </a:xfrm>
+          <a:prstGeom prst="rect">
+            <a:avLst/>
+          </a:prstGeom>
+        </p:spPr>
+      </p:pic>
+      <p:pic>
+        <p:nvPicPr>
+          <p:cNvPr id="13" name="Content Placeholder 12"/>
+          <p:cNvPicPr>
+            <a:picLocks noGrp="1" noChangeAspect="1"/>
+          </p:cNvPicPr>
+          <p:nvPr>
+            <p:ph idx="1"/>
+          </p:nvPr>
+        </p:nvPicPr>
+        <p:blipFill>
+          <a:blip r:embed="rId3">
+            <a:extLst>
+              <a:ext uri="{28A0092B-C50C-407E-A947-70E740481C1C}">
+                <a14:useLocalDpi xmlns:a14="http://schemas.microsoft.com/office/drawing/2010/main" val="0"/>
+              </a:ext>
+            </a:extLst>
+          </a:blip>
+          <a:stretch>
+            <a:fillRect/>
+          </a:stretch>
+        </p:blipFill>
+        <p:spPr>
+          <a:xfrm>
+            <a:off x="762000" y="1993376"/>
+            <a:ext cx="4548090" cy="3164412"/>
+          </a:xfrm>
+        </p:spPr>
+      </p:pic>
+      <p:pic>
+        <p:nvPicPr>
+          <p:cNvPr id="14" name="Picture 13"/>
+          <p:cNvPicPr>
+            <a:picLocks noChangeAspect="1"/>
+          </p:cNvPicPr>
+          <p:nvPr/>
+        </p:nvPicPr>
+        <p:blipFill>
+          <a:blip r:embed="rId4">
+            <a:extLst>
+              <a:ext uri="{28A0092B-C50C-407E-A947-70E740481C1C}">
+                <a14:useLocalDpi xmlns:a14="http://schemas.microsoft.com/office/drawing/2010/main" val="0"/>
+              </a:ext>
+            </a:extLst>
+          </a:blip>
+          <a:stretch>
+            <a:fillRect/>
+          </a:stretch>
+        </p:blipFill>
+        <p:spPr>
+          <a:xfrm>
+            <a:off x="6464298" y="3463963"/>
+            <a:ext cx="4578622" cy="2935736"/>
+          </a:xfrm>
+          <a:prstGeom prst="rect">
+            <a:avLst/>
+          </a:prstGeom>
+        </p:spPr>
+      </p:pic>
+    </p:spTree>
+    <p:extLst>
+      <p:ext uri="{BB962C8B-B14F-4D97-AF65-F5344CB8AC3E}">
+        <p14:creationId xmlns:p14="http://schemas.microsoft.com/office/powerpoint/2010/main" val="559525757"/>
+      </p:ext>
+    </p:extLst>
+  </p:cSld>
+  <p:clrMapOvr>
+    <a:masterClrMapping/>
+  </p:clrMapOvr>
+</p:sld>
+</file>
+
+<file path=ppt/slides/slide16.xml><?xml version="1.0" encoding="utf-8"?>
+<p:sld xmlns:a="http://schemas.openxmlformats.org/drawingml/2006/main" xmlns:r="http://schemas.openxmlformats.org/officeDocument/2006/relationships" xmlns:p="http://schemas.openxmlformats.org/presentationml/2006/main">
+  <p:cSld>
+    <p:spTree>
+      <p:nvGrpSpPr>
+        <p:cNvPr id="1" name=""/>
+        <p:cNvGrpSpPr/>
+        <p:nvPr/>
+      </p:nvGrpSpPr>
+      <p:grpSpPr>
+        <a:xfrm>
+          <a:off x="0" y="0"/>
+          <a:ext cx="0" cy="0"/>
+          <a:chOff x="0" y="0"/>
+          <a:chExt cx="0" cy="0"/>
+        </a:xfrm>
+      </p:grpSpPr>
+      <p:sp>
+        <p:nvSpPr>
+          <p:cNvPr id="2" name="Title 1"/>
+          <p:cNvSpPr>
+            <a:spLocks noGrp="1"/>
+          </p:cNvSpPr>
+          <p:nvPr>
+            <p:ph type="title"/>
+          </p:nvPr>
+        </p:nvSpPr>
+        <p:spPr>
+          <a:xfrm>
+            <a:off x="762000" y="559678"/>
+            <a:ext cx="10668000" cy="4952492"/>
+          </a:xfrm>
+        </p:spPr>
+        <p:txBody>
+          <a:bodyPr/>
+          <a:lstStyle/>
+          <a:p>
+            <a:pPr algn="ctr"/>
+            <a:r>
+              <a:rPr lang="en-US" smtClean="0"/>
+              <a:t/>
+            </a:r>
+            <a:br>
+              <a:rPr lang="en-US" smtClean="0"/>
+            </a:br>
+            <a:r>
+              <a:rPr lang="en-US"/>
+              <a:t/>
+            </a:r>
+            <a:br>
+              <a:rPr lang="en-US"/>
+            </a:br>
+            <a:r>
+              <a:rPr lang="en-US" smtClean="0"/>
+              <a:t/>
+            </a:r>
+            <a:br>
+              <a:rPr lang="en-US" smtClean="0"/>
+            </a:br>
+            <a:r>
+              <a:rPr lang="en-US" smtClean="0"/>
+              <a:t>QUESTIONS</a:t>
+            </a:r>
+            <a:r>
+              <a:rPr lang="en-US" dirty="0" smtClean="0"/>
+              <a:t>?!</a:t>
+            </a:r>
+            <a:r>
+              <a:rPr lang="en-US" dirty="0"/>
+              <a:t/>
+            </a:r>
+            <a:br>
+              <a:rPr lang="en-US" dirty="0"/>
+            </a:br>
+            <a:endParaRPr lang="en-US" dirty="0"/>
+          </a:p>
+        </p:txBody>
+      </p:sp>
+    </p:spTree>
+    <p:extLst>
+      <p:ext uri="{BB962C8B-B14F-4D97-AF65-F5344CB8AC3E}">
+        <p14:creationId xmlns:p14="http://schemas.microsoft.com/office/powerpoint/2010/main" val="544381378"/>
+      </p:ext>
+    </p:extLst>
+  </p:cSld>
+  <p:clrMapOvr>
+    <a:masterClrMapping/>
+  </p:clrMapOvr>
+</p:sld>
+</file>
+
 <file path=ppt/slides/slide2.xml><?xml version="1.0" encoding="utf-8"?>
 <p:sld xmlns:a="http://schemas.openxmlformats.org/drawingml/2006/main" xmlns:r="http://schemas.openxmlformats.org/officeDocument/2006/relationships" xmlns:p="http://schemas.openxmlformats.org/presentationml/2006/main">
   <p:cSld>
@@ -4355,14 +5658,19 @@
             <p:ph type="title"/>
           </p:nvPr>
         </p:nvSpPr>
-        <p:spPr/>
+        <p:spPr>
+          <a:xfrm>
+            <a:off x="256479" y="615434"/>
+            <a:ext cx="3479180" cy="2529210"/>
+          </a:xfrm>
+        </p:spPr>
         <p:txBody>
           <a:bodyPr/>
           <a:lstStyle/>
           <a:p>
             <a:r>
               <a:rPr lang="en-US" dirty="0" smtClean="0"/>
-              <a:t>About the Dataset</a:t>
+              <a:t>About  the Dataset</a:t>
             </a:r>
             <a:endParaRPr lang="en-US" dirty="0"/>
           </a:p>
@@ -4380,280 +5688,129 @@
         </p:nvSpPr>
         <p:spPr>
           <a:xfrm>
-            <a:off x="4714875" y="569066"/>
-            <a:ext cx="6715123" cy="5655156"/>
+            <a:off x="3925228" y="2163336"/>
+            <a:ext cx="7527073" cy="3423425"/>
           </a:xfrm>
         </p:spPr>
         <p:txBody>
           <a:bodyPr>
-            <a:normAutofit fontScale="92500" lnSpcReduction="20000"/>
+            <a:normAutofit/>
           </a:bodyPr>
           <a:lstStyle/>
           <a:p>
-            <a:pPr marL="0" indent="0">
-              <a:buNone/>
+            <a:pPr>
+              <a:buFont typeface="Wingdings" panose="05000000000000000000" pitchFamily="2" charset="2"/>
+              <a:buChar char="§"/>
             </a:pPr>
             <a:r>
+              <a:rPr lang="en-US" dirty="0" smtClean="0"/>
+              <a:t>Amazon Product Reviews Dataset</a:t>
+            </a:r>
+          </a:p>
+          <a:p>
+            <a:pPr>
+              <a:buFont typeface="Wingdings" panose="05000000000000000000" pitchFamily="2" charset="2"/>
+              <a:buChar char="§"/>
+            </a:pPr>
+            <a:r>
               <a:rPr lang="en-US" dirty="0"/>
-              <a:t>{"Reviews": </a:t>
-            </a:r>
-            <a:endParaRPr lang="en-US" dirty="0" smtClean="0"/>
-          </a:p>
-          <a:p>
-            <a:pPr marL="0" indent="0">
-              <a:buNone/>
+              <a:t>The Database and Information Systems Laboratory at The University of Illinois at </a:t>
+            </a:r>
+            <a:r>
+              <a:rPr lang="en-US" dirty="0" smtClean="0"/>
+              <a:t>Urbana-Champaign.</a:t>
+            </a:r>
+          </a:p>
+          <a:p>
+            <a:pPr>
+              <a:buFont typeface="Wingdings" panose="05000000000000000000" pitchFamily="2" charset="2"/>
+              <a:buChar char="§"/>
             </a:pPr>
+            <a:r>
+              <a:rPr lang="en-US" dirty="0" smtClean="0"/>
+              <a:t>Six </a:t>
+            </a:r>
+            <a:r>
+              <a:rPr lang="en-US" dirty="0"/>
+              <a:t>categories </a:t>
+            </a:r>
+            <a:r>
+              <a:rPr lang="en-US" dirty="0" smtClean="0"/>
+              <a:t>(</a:t>
+            </a:r>
+            <a:r>
+              <a:rPr lang="en-US" dirty="0"/>
+              <a:t>camera, mobile, </a:t>
+            </a:r>
+            <a:r>
+              <a:rPr lang="en-US" dirty="0" smtClean="0"/>
+              <a:t>T</a:t>
+            </a:r>
+            <a:r>
+              <a:rPr lang="en-US" dirty="0"/>
+              <a:t>V</a:t>
+            </a:r>
+            <a:r>
+              <a:rPr lang="en-US" dirty="0" smtClean="0"/>
+              <a:t>, </a:t>
+            </a:r>
+            <a:r>
+              <a:rPr lang="en-US" dirty="0"/>
+              <a:t>laptop, tablet, and video surveillance system</a:t>
+            </a:r>
+            <a:r>
+              <a:rPr lang="en-US" dirty="0" smtClean="0"/>
+              <a:t>). </a:t>
+            </a:r>
+          </a:p>
+          <a:p>
+            <a:pPr>
+              <a:buFont typeface="Wingdings" panose="05000000000000000000" pitchFamily="2" charset="2"/>
+              <a:buChar char="§"/>
+            </a:pPr>
+            <a:r>
+              <a:rPr lang="en-US" dirty="0" smtClean="0"/>
+              <a:t>Currently we are working on Mobile, Laptops and Tablets.</a:t>
+            </a:r>
+          </a:p>
+          <a:p>
+            <a:pPr>
+              <a:buFont typeface="Wingdings" panose="05000000000000000000" pitchFamily="2" charset="2"/>
+              <a:buChar char="§"/>
+            </a:pPr>
+            <a:r>
+              <a:rPr lang="en-US" dirty="0" smtClean="0"/>
+              <a:t>Our data is in JSON format</a:t>
+            </a:r>
             <a:r>
               <a:rPr lang="en-US" dirty="0"/>
               <a:t> </a:t>
             </a:r>
             <a:r>
               <a:rPr lang="en-US" dirty="0" smtClean="0"/>
-              <a:t>       [ {	"</a:t>
-            </a:r>
-            <a:r>
-              <a:rPr lang="en-US" dirty="0"/>
-              <a:t>Title": "Acer Timeline U Sucks", </a:t>
-            </a:r>
-            <a:endParaRPr lang="en-US" dirty="0" smtClean="0"/>
-          </a:p>
-          <a:p>
-            <a:pPr marL="0" indent="0">
-              <a:buNone/>
-            </a:pPr>
-            <a:r>
-              <a:rPr lang="en-US" dirty="0"/>
-              <a:t>	</a:t>
-            </a:r>
-            <a:r>
-              <a:rPr lang="en-US" dirty="0" smtClean="0"/>
-              <a:t>"</a:t>
-            </a:r>
-            <a:r>
-              <a:rPr lang="en-US" dirty="0"/>
-              <a:t>Author": "Naveen</a:t>
-            </a:r>
-            <a:r>
-              <a:rPr lang="en-US" dirty="0" smtClean="0"/>
-              <a:t>",</a:t>
-            </a:r>
-          </a:p>
-          <a:p>
-            <a:pPr marL="0" indent="0">
-              <a:buNone/>
-            </a:pPr>
-            <a:r>
-              <a:rPr lang="en-US" dirty="0" smtClean="0"/>
-              <a:t> </a:t>
-            </a:r>
-            <a:r>
-              <a:rPr lang="en-US" dirty="0"/>
-              <a:t>	</a:t>
-            </a:r>
-            <a:r>
-              <a:rPr lang="en-US" dirty="0" smtClean="0"/>
-              <a:t>"</a:t>
-            </a:r>
-            <a:r>
-              <a:rPr lang="en-US" dirty="0" err="1"/>
-              <a:t>ReviewID</a:t>
-            </a:r>
-            <a:r>
-              <a:rPr lang="en-US" dirty="0"/>
-              <a:t>": "RU5MBYIM9ZTFN", "Overall": "1.0", </a:t>
-            </a:r>
-            <a:endParaRPr lang="en-US" dirty="0" smtClean="0"/>
-          </a:p>
-          <a:p>
-            <a:pPr marL="0" indent="0">
-              <a:buNone/>
-            </a:pPr>
-            <a:r>
-              <a:rPr lang="en-US" dirty="0"/>
-              <a:t>	</a:t>
-            </a:r>
-            <a:r>
-              <a:rPr lang="en-US" dirty="0" smtClean="0"/>
-              <a:t>"</a:t>
-            </a:r>
-            <a:r>
-              <a:rPr lang="en-US" dirty="0"/>
-              <a:t>Content": "Hello </a:t>
-            </a:r>
-            <a:r>
-              <a:rPr lang="en-US" dirty="0" err="1"/>
-              <a:t>People,I</a:t>
-            </a:r>
-            <a:r>
-              <a:rPr lang="en-US" dirty="0"/>
-              <a:t> got this acer </a:t>
-            </a:r>
-            <a:r>
-              <a:rPr lang="en-US" dirty="0" err="1"/>
-              <a:t>timelineU</a:t>
-            </a:r>
-            <a:r>
-              <a:rPr lang="en-US" dirty="0"/>
-              <a:t> </a:t>
-            </a:r>
-            <a:r>
-              <a:rPr lang="en-US" dirty="0" smtClean="0"/>
-              <a:t>	  	few </a:t>
-            </a:r>
-            <a:r>
-              <a:rPr lang="en-US" dirty="0"/>
-              <a:t>months back and I am feeling bad for every </a:t>
-            </a:r>
-            <a:r>
-              <a:rPr lang="en-US" dirty="0" smtClean="0"/>
-              <a:t>	penny </a:t>
-            </a:r>
-            <a:r>
-              <a:rPr lang="en-US" dirty="0"/>
-              <a:t>I spent on this shit. The keyboard really sucks. </a:t>
-            </a:r>
-            <a:r>
-              <a:rPr lang="en-US" dirty="0" smtClean="0"/>
-              <a:t>	How </a:t>
-            </a:r>
-            <a:r>
-              <a:rPr lang="en-US" dirty="0"/>
-              <a:t>can someone even come out with such a poor </a:t>
-            </a:r>
-            <a:r>
-              <a:rPr lang="en-US" dirty="0" smtClean="0"/>
-              <a:t>	product</a:t>
-            </a:r>
-            <a:r>
-              <a:rPr lang="en-US" dirty="0"/>
-              <a:t>?? …”, </a:t>
-            </a:r>
-            <a:endParaRPr lang="en-US" dirty="0" smtClean="0"/>
-          </a:p>
-          <a:p>
-            <a:pPr marL="0" indent="0">
-              <a:buNone/>
-            </a:pPr>
-            <a:r>
-              <a:rPr lang="en-US" dirty="0" smtClean="0"/>
-              <a:t>	"</a:t>
-            </a:r>
-            <a:r>
-              <a:rPr lang="en-US" dirty="0"/>
-              <a:t>Date": "September 9, </a:t>
-            </a:r>
-            <a:r>
-              <a:rPr lang="en-US" dirty="0" smtClean="0"/>
-              <a:t>2012” } ],</a:t>
-            </a:r>
-          </a:p>
-          <a:p>
-            <a:pPr marL="0" indent="0">
-              <a:buNone/>
-            </a:pPr>
-            <a:r>
-              <a:rPr lang="en-US" dirty="0" smtClean="0"/>
-              <a:t>"</a:t>
-            </a:r>
-            <a:r>
-              <a:rPr lang="en-US" dirty="0" err="1"/>
-              <a:t>ProductInfo</a:t>
-            </a:r>
-            <a:r>
-              <a:rPr lang="en-US" dirty="0"/>
-              <a:t>": </a:t>
-            </a:r>
-            <a:endParaRPr lang="en-US" dirty="0" smtClean="0"/>
-          </a:p>
-          <a:p>
-            <a:pPr marL="0" indent="0">
-              <a:buNone/>
-            </a:pPr>
-            <a:r>
-              <a:rPr lang="en-US" dirty="0" smtClean="0"/>
-              <a:t>	{"</a:t>
-            </a:r>
-            <a:r>
-              <a:rPr lang="en-US" dirty="0"/>
-              <a:t>Price": null, </a:t>
-            </a:r>
-            <a:endParaRPr lang="en-US" dirty="0" smtClean="0"/>
-          </a:p>
-          <a:p>
-            <a:pPr marL="0" indent="0">
-              <a:buNone/>
-            </a:pPr>
-            <a:r>
-              <a:rPr lang="en-US" dirty="0" smtClean="0"/>
-              <a:t>	"</a:t>
-            </a:r>
-            <a:r>
-              <a:rPr lang="en-US" dirty="0"/>
-              <a:t>Features": null, </a:t>
-            </a:r>
-            <a:endParaRPr lang="en-US" dirty="0" smtClean="0"/>
-          </a:p>
-          <a:p>
-            <a:pPr marL="0" indent="0">
-              <a:buNone/>
-            </a:pPr>
-            <a:r>
-              <a:rPr lang="en-US" dirty="0" smtClean="0"/>
-              <a:t>	"</a:t>
-            </a:r>
-            <a:r>
-              <a:rPr lang="en-US" dirty="0"/>
-              <a:t>Name": null, </a:t>
-            </a:r>
-            <a:endParaRPr lang="en-US" dirty="0" smtClean="0"/>
-          </a:p>
-          <a:p>
-            <a:pPr marL="0" indent="0">
-              <a:buNone/>
-            </a:pPr>
-            <a:r>
-              <a:rPr lang="en-US" dirty="0" smtClean="0"/>
-              <a:t>	"</a:t>
-            </a:r>
-            <a:r>
-              <a:rPr lang="en-US" dirty="0" err="1"/>
-              <a:t>ImgURL</a:t>
-            </a:r>
-            <a:r>
-              <a:rPr lang="en-US" dirty="0"/>
-              <a:t>": null, </a:t>
-            </a:r>
-            <a:endParaRPr lang="en-US" dirty="0" smtClean="0"/>
-          </a:p>
-          <a:p>
-            <a:pPr marL="0" indent="0">
-              <a:buNone/>
-            </a:pPr>
-            <a:r>
-              <a:rPr lang="en-US" dirty="0" smtClean="0"/>
-              <a:t>	"</a:t>
-            </a:r>
-            <a:r>
-              <a:rPr lang="en-US" dirty="0" err="1"/>
-              <a:t>ProductID</a:t>
-            </a:r>
-            <a:r>
-              <a:rPr lang="en-US" dirty="0"/>
-              <a:t>": "B0085H660S"}}</a:t>
-            </a:r>
+              <a:t>and has 1 JSON file for each product.</a:t>
+            </a:r>
+            <a:endParaRPr lang="en-US" dirty="0"/>
           </a:p>
         </p:txBody>
       </p:sp>
     </p:spTree>
     <p:extLst>
       <p:ext uri="{BB962C8B-B14F-4D97-AF65-F5344CB8AC3E}">
-        <p14:creationId xmlns:p14="http://schemas.microsoft.com/office/powerpoint/2010/main" val="254564716"/>
+        <p14:creationId xmlns:p14="http://schemas.microsoft.com/office/powerpoint/2010/main" val="559203002"/>
       </p:ext>
     </p:extLst>
   </p:cSld>
   <p:clrMapOvr>
     <a:masterClrMapping/>
   </p:clrMapOvr>
+  <p:timing>
+    <p:tnLst>
+      <p:par>
+        <p:cTn id="1" dur="indefinite" restart="never" nodeType="tmRoot"/>
+      </p:par>
+    </p:tnLst>
+  </p:timing>
 </p:sld>
 </file>
 
@@ -4684,7 +5841,12 @@
             <p:ph type="title"/>
           </p:nvPr>
         </p:nvSpPr>
-        <p:spPr/>
+        <p:spPr>
+          <a:xfrm>
+            <a:off x="0" y="660039"/>
+            <a:ext cx="3833906" cy="4952492"/>
+          </a:xfrm>
+        </p:spPr>
         <p:txBody>
           <a:bodyPr/>
           <a:lstStyle/>
@@ -4709,8 +5871,8 @@
         </p:nvSpPr>
         <p:spPr>
           <a:xfrm>
-            <a:off x="5224462" y="2169266"/>
-            <a:ext cx="6248398" cy="5655156"/>
+            <a:off x="3833907" y="2358837"/>
+            <a:ext cx="7014486" cy="3618217"/>
           </a:xfrm>
         </p:spPr>
         <p:txBody>
@@ -4719,32 +5881,29 @@
           <a:p>
             <a:r>
               <a:rPr lang="en-US" dirty="0" smtClean="0"/>
-              <a:t>Filtering Stop-Words and punctuations</a:t>
+              <a:t>Filtering Stop-Words and punctuations in the reviews. </a:t>
             </a:r>
           </a:p>
           <a:p>
             <a:r>
               <a:rPr lang="en-US" dirty="0" smtClean="0"/>
-              <a:t>Stemming</a:t>
+              <a:t>Split Attached Words. </a:t>
             </a:r>
           </a:p>
           <a:p>
             <a:r>
               <a:rPr lang="en-US" dirty="0" smtClean="0"/>
-              <a:t>Split Attached Words</a:t>
+              <a:t>Removal of URLs. </a:t>
             </a:r>
           </a:p>
           <a:p>
             <a:r>
               <a:rPr lang="en-US" dirty="0" smtClean="0"/>
-              <a:t>Slang lookup</a:t>
-            </a:r>
-          </a:p>
-          <a:p>
-            <a:r>
-              <a:rPr lang="en-US" dirty="0" smtClean="0"/>
-              <a:t>Removal of URLs</a:t>
-            </a:r>
+              <a:t>Stemming.</a:t>
+            </a:r>
+            <a:endParaRPr lang="en-US" dirty="0"/>
+          </a:p>
+          <a:p>
             <a:endParaRPr lang="en-US" dirty="0"/>
           </a:p>
         </p:txBody>
@@ -4752,13 +5911,20 @@
     </p:spTree>
     <p:extLst>
       <p:ext uri="{BB962C8B-B14F-4D97-AF65-F5344CB8AC3E}">
-        <p14:creationId xmlns:p14="http://schemas.microsoft.com/office/powerpoint/2010/main" val="1027784304"/>
+        <p14:creationId xmlns:p14="http://schemas.microsoft.com/office/powerpoint/2010/main" val="1136415342"/>
       </p:ext>
     </p:extLst>
   </p:cSld>
   <p:clrMapOvr>
     <a:masterClrMapping/>
   </p:clrMapOvr>
+  <p:timing>
+    <p:tnLst>
+      <p:par>
+        <p:cTn id="1" dur="indefinite" restart="never" nodeType="tmRoot"/>
+      </p:par>
+    </p:tnLst>
+  </p:timing>
 </p:sld>
 </file>
 
@@ -4781,89 +5947,90 @@
       </p:grpSpPr>
       <p:sp>
         <p:nvSpPr>
-          <p:cNvPr id="2" name="Title 1"/>
-          <p:cNvSpPr>
-            <a:spLocks noGrp="1"/>
-          </p:cNvSpPr>
-          <p:nvPr>
-            <p:ph type="title"/>
-          </p:nvPr>
-        </p:nvSpPr>
-        <p:spPr/>
+          <p:cNvPr id="3" name="Content Placeholder 2"/>
+          <p:cNvSpPr>
+            <a:spLocks noGrp="1"/>
+          </p:cNvSpPr>
+          <p:nvPr>
+            <p:ph idx="1"/>
+          </p:nvPr>
+        </p:nvSpPr>
+        <p:spPr>
+          <a:xfrm>
+            <a:off x="3958683" y="569066"/>
+            <a:ext cx="7471315" cy="5374534"/>
+          </a:xfrm>
+        </p:spPr>
         <p:txBody>
           <a:bodyPr/>
           <a:lstStyle/>
           <a:p>
+            <a:endParaRPr lang="en-US" dirty="0" smtClean="0"/>
+          </a:p>
+          <a:p>
+            <a:endParaRPr lang="en-US" dirty="0"/>
+          </a:p>
+          <a:p>
+            <a:endParaRPr lang="en-US" dirty="0" smtClean="0"/>
+          </a:p>
+          <a:p>
+            <a:endParaRPr lang="en-US" dirty="0" smtClean="0"/>
+          </a:p>
+          <a:p>
             <a:r>
               <a:rPr lang="en-US" dirty="0" smtClean="0"/>
-              <a:t>Project Ideas</a:t>
-            </a:r>
-            <a:endParaRPr lang="en-US" dirty="0"/>
-          </a:p>
-        </p:txBody>
-      </p:sp>
-      <p:sp>
-        <p:nvSpPr>
-          <p:cNvPr id="3" name="Content Placeholder 2"/>
-          <p:cNvSpPr>
-            <a:spLocks noGrp="1"/>
-          </p:cNvSpPr>
-          <p:nvPr>
-            <p:ph idx="1"/>
-          </p:nvPr>
-        </p:nvSpPr>
-        <p:spPr/>
+              <a:t>Combining all the product reviews, a huge data frame is created.</a:t>
+            </a:r>
+          </a:p>
+          <a:p>
+            <a:r>
+              <a:rPr lang="en-US" dirty="0" smtClean="0"/>
+              <a:t>By merging Product reviews with Product Info and removing unwanted columns a required Dataset is built.</a:t>
+            </a:r>
+          </a:p>
+          <a:p>
+            <a:r>
+              <a:rPr lang="en-US" dirty="0" smtClean="0"/>
+              <a:t>Using </a:t>
+            </a:r>
+            <a:r>
+              <a:rPr lang="en-US" dirty="0" err="1" smtClean="0"/>
+              <a:t>to_pickle</a:t>
+            </a:r>
+            <a:r>
+              <a:rPr lang="en-US" dirty="0" smtClean="0"/>
+              <a:t> function, it is saved as a pandas data frame.</a:t>
+            </a:r>
+          </a:p>
+          <a:p>
+            <a:endParaRPr lang="en-US" dirty="0" smtClean="0"/>
+          </a:p>
+        </p:txBody>
+      </p:sp>
+      <p:sp>
+        <p:nvSpPr>
+          <p:cNvPr id="4" name="Title 1"/>
+          <p:cNvSpPr>
+            <a:spLocks noGrp="1"/>
+          </p:cNvSpPr>
+          <p:nvPr>
+            <p:ph type="title"/>
+          </p:nvPr>
+        </p:nvSpPr>
+        <p:spPr>
+          <a:xfrm>
+            <a:off x="505521" y="414712"/>
+            <a:ext cx="5683405" cy="4952492"/>
+          </a:xfrm>
+        </p:spPr>
         <p:txBody>
           <a:bodyPr/>
           <a:lstStyle/>
           <a:p>
-            <a:pPr marL="0" indent="0">
-              <a:buNone/>
-            </a:pPr>
-            <a:r>
-              <a:rPr lang="en-US" b="1" dirty="0" smtClean="0"/>
-              <a:t>Text/Sentiment Analytics</a:t>
-            </a:r>
-            <a:endParaRPr lang="en-US" b="1" dirty="0"/>
-          </a:p>
-          <a:p>
             <a:r>
               <a:rPr lang="en-US" dirty="0" smtClean="0"/>
-              <a:t>Filling out the missing text for a product based on the review content. (like Product Name, Make)</a:t>
-            </a:r>
-          </a:p>
-          <a:p>
-            <a:r>
-              <a:rPr lang="en-US" dirty="0" smtClean="0"/>
-              <a:t>Best Feature for the product</a:t>
-            </a:r>
-          </a:p>
-          <a:p>
-            <a:r>
-              <a:rPr lang="en-US" dirty="0" smtClean="0"/>
-              <a:t>Classifying the reviews as positive and negative</a:t>
-            </a:r>
-            <a:endParaRPr lang="en-US" dirty="0"/>
-          </a:p>
-          <a:p>
-            <a:endParaRPr lang="en-US" dirty="0" smtClean="0"/>
-          </a:p>
-          <a:p>
-            <a:pPr marL="0" indent="0">
-              <a:buNone/>
-            </a:pPr>
-            <a:r>
-              <a:rPr lang="en-US" b="1" dirty="0" smtClean="0"/>
-              <a:t>Machine Learning</a:t>
-            </a:r>
-          </a:p>
-          <a:p>
-            <a:r>
-              <a:rPr lang="en-US" dirty="0" smtClean="0"/>
-              <a:t>Scoring the products based on overall reviews  </a:t>
-            </a:r>
-          </a:p>
-          <a:p>
+              <a:t>Building a Complete Dataset</a:t>
+            </a:r>
             <a:endParaRPr lang="en-US" dirty="0"/>
           </a:p>
         </p:txBody>
@@ -4871,7 +6038,759 @@
     </p:spTree>
     <p:extLst>
       <p:ext uri="{BB962C8B-B14F-4D97-AF65-F5344CB8AC3E}">
-        <p14:creationId xmlns:p14="http://schemas.microsoft.com/office/powerpoint/2010/main" val="359393042"/>
+        <p14:creationId xmlns:p14="http://schemas.microsoft.com/office/powerpoint/2010/main" val="13096576"/>
+      </p:ext>
+    </p:extLst>
+  </p:cSld>
+  <p:clrMapOvr>
+    <a:masterClrMapping/>
+  </p:clrMapOvr>
+  <p:timing>
+    <p:tnLst>
+      <p:par>
+        <p:cTn id="1" dur="indefinite" restart="never" nodeType="tmRoot"/>
+      </p:par>
+    </p:tnLst>
+  </p:timing>
+</p:sld>
+</file>
+
+<file path=ppt/slides/slide5.xml><?xml version="1.0" encoding="utf-8"?>
+<p:sld xmlns:a="http://schemas.openxmlformats.org/drawingml/2006/main" xmlns:r="http://schemas.openxmlformats.org/officeDocument/2006/relationships" xmlns:p="http://schemas.openxmlformats.org/presentationml/2006/main">
+  <p:cSld>
+    <p:spTree>
+      <p:nvGrpSpPr>
+        <p:cNvPr id="1" name=""/>
+        <p:cNvGrpSpPr/>
+        <p:nvPr/>
+      </p:nvGrpSpPr>
+      <p:grpSpPr>
+        <a:xfrm>
+          <a:off x="0" y="0"/>
+          <a:ext cx="0" cy="0"/>
+          <a:chOff x="0" y="0"/>
+          <a:chExt cx="0" cy="0"/>
+        </a:xfrm>
+      </p:grpSpPr>
+      <p:sp>
+        <p:nvSpPr>
+          <p:cNvPr id="2" name="Title 1"/>
+          <p:cNvSpPr>
+            <a:spLocks noGrp="1"/>
+          </p:cNvSpPr>
+          <p:nvPr>
+            <p:ph type="title"/>
+          </p:nvPr>
+        </p:nvSpPr>
+        <p:spPr>
+          <a:xfrm>
+            <a:off x="761999" y="559678"/>
+            <a:ext cx="9530577" cy="1536751"/>
+          </a:xfrm>
+        </p:spPr>
+        <p:txBody>
+          <a:bodyPr/>
+          <a:lstStyle/>
+          <a:p>
+            <a:r>
+              <a:rPr lang="en-US" dirty="0" smtClean="0"/>
+              <a:t>Analyzing the Ratings based on Price </a:t>
+            </a:r>
+            <a:r>
+              <a:rPr lang="en-US" dirty="0"/>
+              <a:t>R</a:t>
+            </a:r>
+            <a:r>
+              <a:rPr lang="en-US" dirty="0" smtClean="0"/>
+              <a:t>ange.</a:t>
+            </a:r>
+            <a:endParaRPr lang="en-US" dirty="0"/>
+          </a:p>
+        </p:txBody>
+      </p:sp>
+      <p:sp>
+        <p:nvSpPr>
+          <p:cNvPr id="3" name="Content Placeholder 2"/>
+          <p:cNvSpPr>
+            <a:spLocks noGrp="1"/>
+          </p:cNvSpPr>
+          <p:nvPr>
+            <p:ph idx="1"/>
+          </p:nvPr>
+        </p:nvSpPr>
+        <p:spPr>
+          <a:xfrm>
+            <a:off x="1360449" y="2241395"/>
+            <a:ext cx="10069549" cy="3847172"/>
+          </a:xfrm>
+        </p:spPr>
+        <p:txBody>
+          <a:bodyPr/>
+          <a:lstStyle/>
+          <a:p>
+            <a:r>
+              <a:rPr lang="en-US" dirty="0" smtClean="0"/>
+              <a:t>Ignoring all the null values, Mean rating for each product is found.</a:t>
+            </a:r>
+          </a:p>
+          <a:p>
+            <a:r>
+              <a:rPr lang="en-US" dirty="0" smtClean="0"/>
+              <a:t>Next created Price Ranges for all similar products.</a:t>
+            </a:r>
+          </a:p>
+          <a:p>
+            <a:r>
+              <a:rPr lang="en-US" dirty="0" smtClean="0"/>
+              <a:t>Analyzed the ratings based on Price Range.</a:t>
+            </a:r>
+          </a:p>
+          <a:p>
+            <a:r>
+              <a:rPr lang="en-US" dirty="0" smtClean="0"/>
+              <a:t>Concludes that Price is not affecting the Rating. </a:t>
+            </a:r>
+          </a:p>
+          <a:p>
+            <a:endParaRPr lang="en-US" dirty="0"/>
+          </a:p>
+        </p:txBody>
+      </p:sp>
+      <p:pic>
+        <p:nvPicPr>
+          <p:cNvPr id="4" name="Picture 3"/>
+          <p:cNvPicPr>
+            <a:picLocks noChangeAspect="1"/>
+          </p:cNvPicPr>
+          <p:nvPr/>
+        </p:nvPicPr>
+        <p:blipFill>
+          <a:blip r:embed="rId2">
+            <a:extLst>
+              <a:ext uri="{28A0092B-C50C-407E-A947-70E740481C1C}">
+                <a14:useLocalDpi xmlns:a14="http://schemas.microsoft.com/office/drawing/2010/main" val="0"/>
+              </a:ext>
+            </a:extLst>
+          </a:blip>
+          <a:stretch>
+            <a:fillRect/>
+          </a:stretch>
+        </p:blipFill>
+        <p:spPr>
+          <a:xfrm>
+            <a:off x="8144208" y="3609522"/>
+            <a:ext cx="3553321" cy="3248478"/>
+          </a:xfrm>
+          <a:prstGeom prst="rect">
+            <a:avLst/>
+          </a:prstGeom>
+        </p:spPr>
+      </p:pic>
+    </p:spTree>
+    <p:extLst>
+      <p:ext uri="{BB962C8B-B14F-4D97-AF65-F5344CB8AC3E}">
+        <p14:creationId xmlns:p14="http://schemas.microsoft.com/office/powerpoint/2010/main" val="1070820838"/>
+      </p:ext>
+    </p:extLst>
+  </p:cSld>
+  <p:clrMapOvr>
+    <a:masterClrMapping/>
+  </p:clrMapOvr>
+  <p:timing>
+    <p:tnLst>
+      <p:par>
+        <p:cTn id="1" dur="indefinite" restart="never" nodeType="tmRoot"/>
+      </p:par>
+    </p:tnLst>
+  </p:timing>
+</p:sld>
+</file>
+
+<file path=ppt/slides/slide6.xml><?xml version="1.0" encoding="utf-8"?>
+<p:sld xmlns:a="http://schemas.openxmlformats.org/drawingml/2006/main" xmlns:r="http://schemas.openxmlformats.org/officeDocument/2006/relationships" xmlns:p="http://schemas.openxmlformats.org/presentationml/2006/main">
+  <p:cSld>
+    <p:spTree>
+      <p:nvGrpSpPr>
+        <p:cNvPr id="1" name=""/>
+        <p:cNvGrpSpPr/>
+        <p:nvPr/>
+      </p:nvGrpSpPr>
+      <p:grpSpPr>
+        <a:xfrm>
+          <a:off x="0" y="0"/>
+          <a:ext cx="0" cy="0"/>
+          <a:chOff x="0" y="0"/>
+          <a:chExt cx="0" cy="0"/>
+        </a:xfrm>
+      </p:grpSpPr>
+      <p:sp>
+        <p:nvSpPr>
+          <p:cNvPr id="3" name="Content Placeholder 2"/>
+          <p:cNvSpPr>
+            <a:spLocks noGrp="1"/>
+          </p:cNvSpPr>
+          <p:nvPr>
+            <p:ph idx="1"/>
+          </p:nvPr>
+        </p:nvSpPr>
+        <p:spPr>
+          <a:xfrm>
+            <a:off x="3479180" y="1683834"/>
+            <a:ext cx="7649737" cy="5374534"/>
+          </a:xfrm>
+        </p:spPr>
+        <p:txBody>
+          <a:bodyPr/>
+          <a:lstStyle/>
+          <a:p>
+            <a:endParaRPr lang="en-US" dirty="0" smtClean="0"/>
+          </a:p>
+          <a:p>
+            <a:r>
+              <a:rPr lang="en-US" dirty="0" smtClean="0"/>
+              <a:t>Filled </a:t>
+            </a:r>
+            <a:r>
+              <a:rPr lang="en-US" dirty="0"/>
+              <a:t>out the missing text for a product based on the review </a:t>
+            </a:r>
+            <a:r>
+              <a:rPr lang="en-US" dirty="0" smtClean="0"/>
+              <a:t>content</a:t>
+            </a:r>
+            <a:r>
+              <a:rPr lang="en-US" dirty="0"/>
+              <a:t> </a:t>
+            </a:r>
+            <a:r>
+              <a:rPr lang="en-US" dirty="0" smtClean="0"/>
+              <a:t>(like </a:t>
+            </a:r>
+            <a:r>
+              <a:rPr lang="en-US" dirty="0"/>
+              <a:t>Product Name, Make</a:t>
+            </a:r>
+            <a:r>
+              <a:rPr lang="en-US" dirty="0" smtClean="0"/>
+              <a:t>).</a:t>
+            </a:r>
+            <a:endParaRPr lang="en-US" dirty="0"/>
+          </a:p>
+          <a:p>
+            <a:r>
+              <a:rPr lang="en-US" dirty="0" smtClean="0"/>
+              <a:t>Classifying </a:t>
+            </a:r>
+            <a:r>
+              <a:rPr lang="en-US" dirty="0"/>
+              <a:t>the reviews as positive and </a:t>
+            </a:r>
+            <a:r>
+              <a:rPr lang="en-US" dirty="0" smtClean="0"/>
+              <a:t>negative for a particular product.</a:t>
+            </a:r>
+          </a:p>
+          <a:p>
+            <a:r>
+              <a:rPr lang="en-US" dirty="0" smtClean="0"/>
+              <a:t>Best Features for the product.</a:t>
+            </a:r>
+            <a:endParaRPr lang="en-US" dirty="0"/>
+          </a:p>
+        </p:txBody>
+      </p:sp>
+      <p:sp>
+        <p:nvSpPr>
+          <p:cNvPr id="4" name="Title 1"/>
+          <p:cNvSpPr>
+            <a:spLocks noGrp="1"/>
+          </p:cNvSpPr>
+          <p:nvPr>
+            <p:ph type="title"/>
+          </p:nvPr>
+        </p:nvSpPr>
+        <p:spPr>
+          <a:xfrm>
+            <a:off x="505521" y="414712"/>
+            <a:ext cx="5683405" cy="1269122"/>
+          </a:xfrm>
+        </p:spPr>
+        <p:txBody>
+          <a:bodyPr/>
+          <a:lstStyle/>
+          <a:p>
+            <a:pPr algn="l"/>
+            <a:r>
+              <a:rPr lang="en-US" dirty="0" smtClean="0"/>
+              <a:t> Text Analytics</a:t>
+            </a:r>
+            <a:endParaRPr lang="en-US" dirty="0"/>
+          </a:p>
+        </p:txBody>
+      </p:sp>
+    </p:spTree>
+    <p:extLst>
+      <p:ext uri="{BB962C8B-B14F-4D97-AF65-F5344CB8AC3E}">
+        <p14:creationId xmlns:p14="http://schemas.microsoft.com/office/powerpoint/2010/main" val="1372862406"/>
+      </p:ext>
+    </p:extLst>
+  </p:cSld>
+  <p:clrMapOvr>
+    <a:masterClrMapping/>
+  </p:clrMapOvr>
+  <p:timing>
+    <p:tnLst>
+      <p:par>
+        <p:cTn id="1" dur="indefinite" restart="never" nodeType="tmRoot"/>
+      </p:par>
+    </p:tnLst>
+  </p:timing>
+</p:sld>
+</file>
+
+<file path=ppt/slides/slide7.xml><?xml version="1.0" encoding="utf-8"?>
+<p:sld xmlns:a="http://schemas.openxmlformats.org/drawingml/2006/main" xmlns:r="http://schemas.openxmlformats.org/officeDocument/2006/relationships" xmlns:p="http://schemas.openxmlformats.org/presentationml/2006/main">
+  <p:cSld>
+    <p:spTree>
+      <p:nvGrpSpPr>
+        <p:cNvPr id="1" name=""/>
+        <p:cNvGrpSpPr/>
+        <p:nvPr/>
+      </p:nvGrpSpPr>
+      <p:grpSpPr>
+        <a:xfrm>
+          <a:off x="0" y="0"/>
+          <a:ext cx="0" cy="0"/>
+          <a:chOff x="0" y="0"/>
+          <a:chExt cx="0" cy="0"/>
+        </a:xfrm>
+      </p:grpSpPr>
+      <p:sp>
+        <p:nvSpPr>
+          <p:cNvPr id="2" name="Title 1">
+            <a:extLst>
+              <a:ext uri="{FF2B5EF4-FFF2-40B4-BE49-F238E27FC236}">
+                <a16:creationId xmlns:a16="http://schemas.microsoft.com/office/drawing/2014/main" xmlns="" id="{E2A5EABD-0AB5-49B1-A91C-20CDDF724B62}"/>
+              </a:ext>
+            </a:extLst>
+          </p:cNvPr>
+          <p:cNvSpPr>
+            <a:spLocks noGrp="1"/>
+          </p:cNvSpPr>
+          <p:nvPr>
+            <p:ph type="title"/>
+          </p:nvPr>
+        </p:nvSpPr>
+        <p:spPr/>
+        <p:txBody>
+          <a:bodyPr/>
+          <a:lstStyle/>
+          <a:p>
+            <a:r>
+              <a:rPr lang="en-US" dirty="0"/>
+              <a:t>Building a Complete Dataset</a:t>
+            </a:r>
+          </a:p>
+        </p:txBody>
+      </p:sp>
+      <p:sp>
+        <p:nvSpPr>
+          <p:cNvPr id="3" name="Content Placeholder 2">
+            <a:extLst>
+              <a:ext uri="{FF2B5EF4-FFF2-40B4-BE49-F238E27FC236}">
+                <a16:creationId xmlns:a16="http://schemas.microsoft.com/office/drawing/2014/main" xmlns="" id="{DCF6E3BF-8DF8-4688-A2A5-ACB8EF95DD1B}"/>
+              </a:ext>
+            </a:extLst>
+          </p:cNvPr>
+          <p:cNvSpPr>
+            <a:spLocks noGrp="1"/>
+          </p:cNvSpPr>
+          <p:nvPr>
+            <p:ph idx="1"/>
+          </p:nvPr>
+        </p:nvSpPr>
+        <p:spPr/>
+        <p:txBody>
+          <a:bodyPr/>
+          <a:lstStyle/>
+          <a:p>
+            <a:r>
+              <a:rPr lang="en-US" dirty="0"/>
+              <a:t>A complete dataset was built by combining thousands of JSON files.</a:t>
+            </a:r>
+          </a:p>
+          <a:p>
+            <a:r>
+              <a:rPr lang="en-US" dirty="0"/>
+              <a:t> Using “</a:t>
+            </a:r>
+            <a:r>
+              <a:rPr lang="en-US" dirty="0" err="1"/>
+              <a:t>to_pickle</a:t>
+            </a:r>
+            <a:r>
+              <a:rPr lang="en-US" dirty="0"/>
+              <a:t>()” function the complete dataset was saved to pandas </a:t>
+            </a:r>
+            <a:r>
+              <a:rPr lang="en-US" dirty="0" err="1"/>
+              <a:t>dataframe</a:t>
+            </a:r>
+            <a:r>
+              <a:rPr lang="en-US" dirty="0"/>
+              <a:t> for future use.</a:t>
+            </a:r>
+          </a:p>
+        </p:txBody>
+      </p:sp>
+      <p:pic>
+        <p:nvPicPr>
+          <p:cNvPr id="5" name="Picture 4">
+            <a:extLst>
+              <a:ext uri="{FF2B5EF4-FFF2-40B4-BE49-F238E27FC236}">
+                <a16:creationId xmlns:a16="http://schemas.microsoft.com/office/drawing/2014/main" xmlns="" id="{B6081FC5-CF65-4E79-8A20-96D6D82D14A1}"/>
+              </a:ext>
+            </a:extLst>
+          </p:cNvPr>
+          <p:cNvPicPr>
+            <a:picLocks noChangeAspect="1"/>
+          </p:cNvPicPr>
+          <p:nvPr/>
+        </p:nvPicPr>
+        <p:blipFill>
+          <a:blip r:embed="rId2"/>
+          <a:stretch>
+            <a:fillRect/>
+          </a:stretch>
+        </p:blipFill>
+        <p:spPr>
+          <a:xfrm>
+            <a:off x="3811057" y="3172409"/>
+            <a:ext cx="7910245" cy="1586204"/>
+          </a:xfrm>
+          <a:prstGeom prst="rect">
+            <a:avLst/>
+          </a:prstGeom>
+        </p:spPr>
+      </p:pic>
+    </p:spTree>
+    <p:extLst>
+      <p:ext uri="{BB962C8B-B14F-4D97-AF65-F5344CB8AC3E}">
+        <p14:creationId xmlns:p14="http://schemas.microsoft.com/office/powerpoint/2010/main" val="1561212054"/>
+      </p:ext>
+    </p:extLst>
+  </p:cSld>
+  <p:clrMapOvr>
+    <a:masterClrMapping/>
+  </p:clrMapOvr>
+</p:sld>
+</file>
+
+<file path=ppt/slides/slide8.xml><?xml version="1.0" encoding="utf-8"?>
+<p:sld xmlns:a="http://schemas.openxmlformats.org/drawingml/2006/main" xmlns:r="http://schemas.openxmlformats.org/officeDocument/2006/relationships" xmlns:p="http://schemas.openxmlformats.org/presentationml/2006/main">
+  <p:cSld>
+    <p:spTree>
+      <p:nvGrpSpPr>
+        <p:cNvPr id="1" name=""/>
+        <p:cNvGrpSpPr/>
+        <p:nvPr/>
+      </p:nvGrpSpPr>
+      <p:grpSpPr>
+        <a:xfrm>
+          <a:off x="0" y="0"/>
+          <a:ext cx="0" cy="0"/>
+          <a:chOff x="0" y="0"/>
+          <a:chExt cx="0" cy="0"/>
+        </a:xfrm>
+      </p:grpSpPr>
+      <p:sp>
+        <p:nvSpPr>
+          <p:cNvPr id="2" name="Title 1">
+            <a:extLst>
+              <a:ext uri="{FF2B5EF4-FFF2-40B4-BE49-F238E27FC236}">
+                <a16:creationId xmlns:a16="http://schemas.microsoft.com/office/drawing/2014/main" xmlns="" id="{C3A02A95-A9E9-490A-BE02-CFE039903093}"/>
+              </a:ext>
+            </a:extLst>
+          </p:cNvPr>
+          <p:cNvSpPr>
+            <a:spLocks noGrp="1"/>
+          </p:cNvSpPr>
+          <p:nvPr>
+            <p:ph type="title"/>
+          </p:nvPr>
+        </p:nvSpPr>
+        <p:spPr/>
+        <p:txBody>
+          <a:bodyPr/>
+          <a:lstStyle/>
+          <a:p>
+            <a:r>
+              <a:rPr lang="en-US" dirty="0"/>
+              <a:t>Cleaning the Text Data by removing stopwords</a:t>
+            </a:r>
+          </a:p>
+        </p:txBody>
+      </p:sp>
+      <p:sp>
+        <p:nvSpPr>
+          <p:cNvPr id="3" name="Content Placeholder 2">
+            <a:extLst>
+              <a:ext uri="{FF2B5EF4-FFF2-40B4-BE49-F238E27FC236}">
+                <a16:creationId xmlns:a16="http://schemas.microsoft.com/office/drawing/2014/main" xmlns="" id="{0EEC6A9A-D030-4EC3-A561-5A09BCA8714E}"/>
+              </a:ext>
+            </a:extLst>
+          </p:cNvPr>
+          <p:cNvSpPr>
+            <a:spLocks noGrp="1"/>
+          </p:cNvSpPr>
+          <p:nvPr>
+            <p:ph idx="1"/>
+          </p:nvPr>
+        </p:nvSpPr>
+        <p:spPr/>
+        <p:txBody>
+          <a:bodyPr/>
+          <a:lstStyle/>
+          <a:p>
+            <a:r>
+              <a:rPr lang="en-US" dirty="0"/>
+              <a:t>Cleaning the text is the most important part of text analytics. </a:t>
+            </a:r>
+          </a:p>
+          <a:p>
+            <a:r>
+              <a:rPr lang="en-US" dirty="0"/>
+              <a:t>Here is the snapshot of our data after cleaning the stopwords and punctuations. </a:t>
+            </a:r>
+          </a:p>
+          <a:p>
+            <a:r>
+              <a:rPr lang="en-US" dirty="0"/>
+              <a:t>A new column ‘make’ is added, which is extracted from Product name using regex.</a:t>
+            </a:r>
+          </a:p>
+          <a:p>
+            <a:endParaRPr lang="en-US" dirty="0"/>
+          </a:p>
+          <a:p>
+            <a:endParaRPr lang="en-US" dirty="0"/>
+          </a:p>
+        </p:txBody>
+      </p:sp>
+      <p:pic>
+        <p:nvPicPr>
+          <p:cNvPr id="7" name="Picture 6">
+            <a:extLst>
+              <a:ext uri="{FF2B5EF4-FFF2-40B4-BE49-F238E27FC236}">
+                <a16:creationId xmlns:a16="http://schemas.microsoft.com/office/drawing/2014/main" xmlns="" id="{C8972C91-5A29-4680-BA57-64D7B807B0DA}"/>
+              </a:ext>
+            </a:extLst>
+          </p:cNvPr>
+          <p:cNvPicPr>
+            <a:picLocks noChangeAspect="1"/>
+          </p:cNvPicPr>
+          <p:nvPr/>
+        </p:nvPicPr>
+        <p:blipFill>
+          <a:blip r:embed="rId2"/>
+          <a:stretch>
+            <a:fillRect/>
+          </a:stretch>
+        </p:blipFill>
+        <p:spPr>
+          <a:xfrm>
+            <a:off x="5181600" y="3289742"/>
+            <a:ext cx="6248398" cy="2085822"/>
+          </a:xfrm>
+          <a:prstGeom prst="rect">
+            <a:avLst/>
+          </a:prstGeom>
+        </p:spPr>
+      </p:pic>
+    </p:spTree>
+    <p:extLst>
+      <p:ext uri="{BB962C8B-B14F-4D97-AF65-F5344CB8AC3E}">
+        <p14:creationId xmlns:p14="http://schemas.microsoft.com/office/powerpoint/2010/main" val="1335792532"/>
+      </p:ext>
+    </p:extLst>
+  </p:cSld>
+  <p:clrMapOvr>
+    <a:masterClrMapping/>
+  </p:clrMapOvr>
+</p:sld>
+</file>
+
+<file path=ppt/slides/slide9.xml><?xml version="1.0" encoding="utf-8"?>
+<p:sld xmlns:a="http://schemas.openxmlformats.org/drawingml/2006/main" xmlns:r="http://schemas.openxmlformats.org/officeDocument/2006/relationships" xmlns:p="http://schemas.openxmlformats.org/presentationml/2006/main">
+  <p:cSld>
+    <p:spTree>
+      <p:nvGrpSpPr>
+        <p:cNvPr id="1" name=""/>
+        <p:cNvGrpSpPr/>
+        <p:nvPr/>
+      </p:nvGrpSpPr>
+      <p:grpSpPr>
+        <a:xfrm>
+          <a:off x="0" y="0"/>
+          <a:ext cx="0" cy="0"/>
+          <a:chOff x="0" y="0"/>
+          <a:chExt cx="0" cy="0"/>
+        </a:xfrm>
+      </p:grpSpPr>
+      <p:sp>
+        <p:nvSpPr>
+          <p:cNvPr id="2" name="Title 1">
+            <a:extLst>
+              <a:ext uri="{FF2B5EF4-FFF2-40B4-BE49-F238E27FC236}">
+                <a16:creationId xmlns:a16="http://schemas.microsoft.com/office/drawing/2014/main" xmlns="" id="{A18B3850-4E52-4D13-BF68-196C1F33E6C8}"/>
+              </a:ext>
+            </a:extLst>
+          </p:cNvPr>
+          <p:cNvSpPr>
+            <a:spLocks noGrp="1"/>
+          </p:cNvSpPr>
+          <p:nvPr>
+            <p:ph type="title"/>
+          </p:nvPr>
+        </p:nvSpPr>
+        <p:spPr/>
+        <p:txBody>
+          <a:bodyPr/>
+          <a:lstStyle/>
+          <a:p>
+            <a:r>
+              <a:rPr lang="en-US" dirty="0"/>
+              <a:t>WordClouds</a:t>
+            </a:r>
+          </a:p>
+        </p:txBody>
+      </p:sp>
+      <mc:AlternateContent xmlns:mc="http://schemas.openxmlformats.org/markup-compatibility/2006" xmlns:a14="http://schemas.microsoft.com/office/drawing/2010/main">
+        <mc:Choice Requires="a14">
+          <p:sp>
+            <p:nvSpPr>
+              <p:cNvPr id="3" name="Content Placeholder 2">
+                <a:extLst>
+                  <a:ext uri="{FF2B5EF4-FFF2-40B4-BE49-F238E27FC236}">
+                    <a16:creationId xmlns:a16="http://schemas.microsoft.com/office/drawing/2014/main" xmlns="" id="{63AE815E-98FC-4B5A-8062-C1DDE8E89CD4}"/>
+                  </a:ext>
+                </a:extLst>
+              </p:cNvPr>
+              <p:cNvSpPr>
+                <a:spLocks noGrp="1"/>
+              </p:cNvSpPr>
+              <p:nvPr>
+                <p:ph idx="1"/>
+              </p:nvPr>
+            </p:nvSpPr>
+            <p:spPr/>
+            <p:txBody>
+              <a:bodyPr/>
+              <a:lstStyle/>
+              <a:p>
+                <a:r>
+                  <a:rPr lang="en-US" dirty="0"/>
+                  <a:t>Wordcloud is one of the most insightful visualization methods to get the gist of the text data in one glance.</a:t>
+                </a:r>
+              </a:p>
+              <a:p>
+                <a:r>
+                  <a:rPr lang="en-US" dirty="0"/>
+                  <a:t>Wordclouds are the images of words randomly scattered throughout the image in different sizes.</a:t>
+                </a:r>
+              </a:p>
+              <a:p>
+                <a:r>
+                  <a:rPr lang="en-US" dirty="0"/>
+                  <a:t>In a wordcloud image, the size of the word is directly proportional to the frequency of the word in the text data.</a:t>
+                </a:r>
+              </a:p>
+              <a:p>
+                <a14:m>
+                  <m:oMath xmlns:m="http://schemas.openxmlformats.org/officeDocument/2006/math">
+                    <m:r>
+                      <a:rPr lang="en-US" i="1" dirty="0" smtClean="0">
+                        <a:latin typeface="Cambria Math" panose="02040503050406030204" pitchFamily="18" charset="0"/>
+                      </a:rPr>
+                      <m:t>𝑆𝐼𝑍</m:t>
+                    </m:r>
+                    <m:r>
+                      <a:rPr lang="en-US" i="1" dirty="0">
+                        <a:latin typeface="Cambria Math" panose="02040503050406030204" pitchFamily="18" charset="0"/>
+                      </a:rPr>
+                      <m:t>𝐸</m:t>
+                    </m:r>
+                    <m:r>
+                      <a:rPr lang="en-US" b="0" i="1" dirty="0" smtClean="0">
+                        <a:latin typeface="Cambria Math" panose="02040503050406030204" pitchFamily="18" charset="0"/>
+                      </a:rPr>
+                      <m:t> </m:t>
+                    </m:r>
+                    <m:r>
+                      <a:rPr lang="en-US" b="0" i="1" dirty="0" smtClean="0">
+                        <a:latin typeface="Cambria Math" panose="02040503050406030204" pitchFamily="18" charset="0"/>
+                        <a:ea typeface="Cambria Math" panose="02040503050406030204" pitchFamily="18" charset="0"/>
+                      </a:rPr>
+                      <m:t>∝</m:t>
+                    </m:r>
+                    <m:r>
+                      <a:rPr lang="en-US" b="0" i="1" dirty="0" smtClean="0">
+                        <a:latin typeface="Cambria Math" panose="02040503050406030204" pitchFamily="18" charset="0"/>
+                        <a:ea typeface="Cambria Math" panose="02040503050406030204" pitchFamily="18" charset="0"/>
+                      </a:rPr>
+                      <m:t>𝐹𝑅𝐸𝑄𝑈𝐸𝑁𝐶𝑌</m:t>
+                    </m:r>
+                  </m:oMath>
+                </a14:m>
+                <a:endParaRPr lang="en-US" dirty="0"/>
+              </a:p>
+            </p:txBody>
+          </p:sp>
+        </mc:Choice>
+        <mc:Fallback xmlns="">
+          <p:sp>
+            <p:nvSpPr>
+              <p:cNvPr id="3" name="Content Placeholder 2">
+                <a:extLst>
+                  <a:ext uri="{FF2B5EF4-FFF2-40B4-BE49-F238E27FC236}">
+                    <a16:creationId xmlns:a16="http://schemas.microsoft.com/office/drawing/2014/main" id="{63AE815E-98FC-4B5A-8062-C1DDE8E89CD4}"/>
+                  </a:ext>
+                </a:extLst>
+              </p:cNvPr>
+              <p:cNvSpPr>
+                <a:spLocks noGrp="1" noRot="1" noChangeAspect="1" noMove="1" noResize="1" noEditPoints="1" noAdjustHandles="1" noChangeArrowheads="1" noChangeShapeType="1" noTextEdit="1"/>
+              </p:cNvSpPr>
+              <p:nvPr>
+                <p:ph idx="1"/>
+              </p:nvPr>
+            </p:nvSpPr>
+            <p:spPr>
+              <a:blipFill>
+                <a:blip r:embed="rId2"/>
+                <a:stretch>
+                  <a:fillRect l="-878" t="-216"/>
+                </a:stretch>
+              </a:blipFill>
+            </p:spPr>
+            <p:txBody>
+              <a:bodyPr/>
+              <a:lstStyle/>
+              <a:p>
+                <a:r>
+                  <a:rPr lang="en-US">
+                    <a:noFill/>
+                  </a:rPr>
+                  <a:t> </a:t>
+                </a:r>
+              </a:p>
+            </p:txBody>
+          </p:sp>
+        </mc:Fallback>
+      </mc:AlternateContent>
+    </p:spTree>
+    <p:extLst>
+      <p:ext uri="{BB962C8B-B14F-4D97-AF65-F5344CB8AC3E}">
+        <p14:creationId xmlns:p14="http://schemas.microsoft.com/office/powerpoint/2010/main" val="871039586"/>
       </p:ext>
     </p:extLst>
   </p:cSld>
@@ -5066,4 +6985,265 @@
     </a:ext>
   </a:extLst>
 </a:theme>
+</file>
+
+<file path=ppt/theme/theme2.xml><?xml version="1.0" encoding="utf-8"?>
+<a:theme xmlns:a="http://schemas.openxmlformats.org/drawingml/2006/main" name="Office Theme">
+  <a:themeElements>
+    <a:clrScheme name="Office">
+      <a:dk1>
+        <a:sysClr val="windowText" lastClr="000000"/>
+      </a:dk1>
+      <a:lt1>
+        <a:sysClr val="window" lastClr="FFFFFF"/>
+      </a:lt1>
+      <a:dk2>
+        <a:srgbClr val="44546A"/>
+      </a:dk2>
+      <a:lt2>
+        <a:srgbClr val="E7E6E6"/>
+      </a:lt2>
+      <a:accent1>
+        <a:srgbClr val="4472C4"/>
+      </a:accent1>
+      <a:accent2>
+        <a:srgbClr val="ED7D31"/>
+      </a:accent2>
+      <a:accent3>
+        <a:srgbClr val="A5A5A5"/>
+      </a:accent3>
+      <a:accent4>
+        <a:srgbClr val="FFC000"/>
+      </a:accent4>
+      <a:accent5>
+        <a:srgbClr val="5B9BD5"/>
+      </a:accent5>
+      <a:accent6>
+        <a:srgbClr val="70AD47"/>
+      </a:accent6>
+      <a:hlink>
+        <a:srgbClr val="0563C1"/>
+      </a:hlink>
+      <a:folHlink>
+        <a:srgbClr val="954F72"/>
+      </a:folHlink>
+    </a:clrScheme>
+    <a:fontScheme name="Office">
+      <a:majorFont>
+        <a:latin typeface="Calibri Light" panose="020F0302020204030204"/>
+        <a:ea typeface=""/>
+        <a:cs typeface=""/>
+        <a:font script="Jpan" typeface="Yu Gothic Light"/>
+        <a:font script="Hang" typeface="맑은 고딕"/>
+        <a:font script="Hans" typeface="DengXian Light"/>
+        <a:font script="Hant" typeface="新細明體"/>
+        <a:font script="Arab" typeface="Times New Roman"/>
+        <a:font script="Hebr" typeface="Times New Roman"/>
+        <a:font script="Thai" typeface="Angsana New"/>
+        <a:font script="Ethi" typeface="Nyala"/>
+        <a:font script="Beng" typeface="Vrinda"/>
+        <a:font script="Gujr" typeface="Shruti"/>
+        <a:font script="Khmr" typeface="MoolBoran"/>
+        <a:font script="Knda" typeface="Tunga"/>
+        <a:font script="Guru" typeface="Raavi"/>
+        <a:font script="Cans" typeface="Euphemia"/>
+        <a:font script="Cher" typeface="Plantagenet Cherokee"/>
+        <a:font script="Yiii" typeface="Microsoft Yi Baiti"/>
+        <a:font script="Tibt" typeface="Microsoft Himalaya"/>
+        <a:font script="Thaa" typeface="MV Boli"/>
+        <a:font script="Deva" typeface="Mangal"/>
+        <a:font script="Telu" typeface="Gautami"/>
+        <a:font script="Taml" typeface="Latha"/>
+        <a:font script="Syrc" typeface="Estrangelo Edessa"/>
+        <a:font script="Orya" typeface="Kalinga"/>
+        <a:font script="Mlym" typeface="Kartika"/>
+        <a:font script="Laoo" typeface="DokChampa"/>
+        <a:font script="Sinh" typeface="Iskoola Pota"/>
+        <a:font script="Mong" typeface="Mongolian Baiti"/>
+        <a:font script="Viet" typeface="Times New Roman"/>
+        <a:font script="Uigh" typeface="Microsoft Uighur"/>
+        <a:font script="Geor" typeface="Sylfaen"/>
+      </a:majorFont>
+      <a:minorFont>
+        <a:latin typeface="Calibri" panose="020F0502020204030204"/>
+        <a:ea typeface=""/>
+        <a:cs typeface=""/>
+        <a:font script="Jpan" typeface="Yu Gothic"/>
+        <a:font script="Hang" typeface="맑은 고딕"/>
+        <a:font script="Hans" typeface="DengXian"/>
+        <a:font script="Hant" typeface="新細明體"/>
+        <a:font script="Arab" typeface="Arial"/>
+        <a:font script="Hebr" typeface="Arial"/>
+        <a:font script="Thai" typeface="Cordia New"/>
+        <a:font script="Ethi" typeface="Nyala"/>
+        <a:font script="Beng" typeface="Vrinda"/>
+        <a:font script="Gujr" typeface="Shruti"/>
+        <a:font script="Khmr" typeface="DaunPenh"/>
+        <a:font script="Knda" typeface="Tunga"/>
+        <a:font script="Guru" typeface="Raavi"/>
+        <a:font script="Cans" typeface="Euphemia"/>
+        <a:font script="Cher" typeface="Plantagenet Cherokee"/>
+        <a:font script="Yiii" typeface="Microsoft Yi Baiti"/>
+        <a:font script="Tibt" typeface="Microsoft Himalaya"/>
+        <a:font script="Thaa" typeface="MV Boli"/>
+        <a:font script="Deva" typeface="Mangal"/>
+        <a:font script="Telu" typeface="Gautami"/>
+        <a:font script="Taml" typeface="Latha"/>
+        <a:font script="Syrc" typeface="Estrangelo Edessa"/>
+        <a:font script="Orya" typeface="Kalinga"/>
+        <a:font script="Mlym" typeface="Kartika"/>
+        <a:font script="Laoo" typeface="DokChampa"/>
+        <a:font script="Sinh" typeface="Iskoola Pota"/>
+        <a:font script="Mong" typeface="Mongolian Baiti"/>
+        <a:font script="Viet" typeface="Arial"/>
+        <a:font script="Uigh" typeface="Microsoft Uighur"/>
+        <a:font script="Geor" typeface="Sylfaen"/>
+      </a:minorFont>
+    </a:fontScheme>
+    <a:fmtScheme name="Office">
+      <a:fillStyleLst>
+        <a:solidFill>
+          <a:schemeClr val="phClr"/>
+        </a:solidFill>
+        <a:gradFill rotWithShape="1">
+          <a:gsLst>
+            <a:gs pos="0">
+              <a:schemeClr val="phClr">
+                <a:lumMod val="110000"/>
+                <a:satMod val="105000"/>
+                <a:tint val="67000"/>
+              </a:schemeClr>
+            </a:gs>
+            <a:gs pos="50000">
+              <a:schemeClr val="phClr">
+                <a:lumMod val="105000"/>
+                <a:satMod val="103000"/>
+                <a:tint val="73000"/>
+              </a:schemeClr>
+            </a:gs>
+            <a:gs pos="100000">
+              <a:schemeClr val="phClr">
+                <a:lumMod val="105000"/>
+                <a:satMod val="109000"/>
+                <a:tint val="81000"/>
+              </a:schemeClr>
+            </a:gs>
+          </a:gsLst>
+          <a:lin ang="5400000" scaled="0"/>
+        </a:gradFill>
+        <a:gradFill rotWithShape="1">
+          <a:gsLst>
+            <a:gs pos="0">
+              <a:schemeClr val="phClr">
+                <a:satMod val="103000"/>
+                <a:lumMod val="102000"/>
+                <a:tint val="94000"/>
+              </a:schemeClr>
+            </a:gs>
+            <a:gs pos="50000">
+              <a:schemeClr val="phClr">
+                <a:satMod val="110000"/>
+                <a:lumMod val="100000"/>
+                <a:shade val="100000"/>
+              </a:schemeClr>
+            </a:gs>
+            <a:gs pos="100000">
+              <a:schemeClr val="phClr">
+                <a:lumMod val="99000"/>
+                <a:satMod val="120000"/>
+                <a:shade val="78000"/>
+              </a:schemeClr>
+            </a:gs>
+          </a:gsLst>
+          <a:lin ang="5400000" scaled="0"/>
+        </a:gradFill>
+      </a:fillStyleLst>
+      <a:lnStyleLst>
+        <a:ln w="6350" cap="flat" cmpd="sng" algn="ctr">
+          <a:solidFill>
+            <a:schemeClr val="phClr"/>
+          </a:solidFill>
+          <a:prstDash val="solid"/>
+          <a:miter lim="800000"/>
+        </a:ln>
+        <a:ln w="12700" cap="flat" cmpd="sng" algn="ctr">
+          <a:solidFill>
+            <a:schemeClr val="phClr"/>
+          </a:solidFill>
+          <a:prstDash val="solid"/>
+          <a:miter lim="800000"/>
+        </a:ln>
+        <a:ln w="19050" cap="flat" cmpd="sng" algn="ctr">
+          <a:solidFill>
+            <a:schemeClr val="phClr"/>
+          </a:solidFill>
+          <a:prstDash val="solid"/>
+          <a:miter lim="800000"/>
+        </a:ln>
+      </a:lnStyleLst>
+      <a:effectStyleLst>
+        <a:effectStyle>
+          <a:effectLst/>
+        </a:effectStyle>
+        <a:effectStyle>
+          <a:effectLst/>
+        </a:effectStyle>
+        <a:effectStyle>
+          <a:effectLst>
+            <a:outerShdw blurRad="57150" dist="19050" dir="5400000" algn="ctr" rotWithShape="0">
+              <a:srgbClr val="000000">
+                <a:alpha val="63000"/>
+              </a:srgbClr>
+            </a:outerShdw>
+          </a:effectLst>
+        </a:effectStyle>
+      </a:effectStyleLst>
+      <a:bgFillStyleLst>
+        <a:solidFill>
+          <a:schemeClr val="phClr"/>
+        </a:solidFill>
+        <a:solidFill>
+          <a:schemeClr val="phClr">
+            <a:tint val="95000"/>
+            <a:satMod val="170000"/>
+          </a:schemeClr>
+        </a:solidFill>
+        <a:gradFill rotWithShape="1">
+          <a:gsLst>
+            <a:gs pos="0">
+              <a:schemeClr val="phClr">
+                <a:tint val="93000"/>
+                <a:satMod val="150000"/>
+                <a:shade val="98000"/>
+                <a:lumMod val="102000"/>
+              </a:schemeClr>
+            </a:gs>
+            <a:gs pos="50000">
+              <a:schemeClr val="phClr">
+                <a:tint val="98000"/>
+                <a:satMod val="130000"/>
+                <a:shade val="90000"/>
+                <a:lumMod val="103000"/>
+              </a:schemeClr>
+            </a:gs>
+            <a:gs pos="100000">
+              <a:schemeClr val="phClr">
+                <a:shade val="63000"/>
+                <a:satMod val="120000"/>
+              </a:schemeClr>
+            </a:gs>
+          </a:gsLst>
+          <a:lin ang="5400000" scaled="0"/>
+        </a:gradFill>
+      </a:bgFillStyleLst>
+    </a:fmtScheme>
+  </a:themeElements>
+  <a:objectDefaults/>
+  <a:extraClrSchemeLst/>
+  <a:extLst>
+    <a:ext uri="{05A4C25C-085E-4340-85A3-A5531E510DB2}">
+      <thm15:themeFamily xmlns:thm15="http://schemas.microsoft.com/office/thememl/2012/main" name="Office Theme" id="{62F939B6-93AF-4DB8-9C6B-D6C7DFDC589F}" vid="{4A3C46E8-61CC-4603-A589-7422A47A8E4A}"/>
+    </a:ext>
+  </a:extLst>
+</a:theme>
 </file>